--- a/topic/3. I2C/images/I2C.pptx
+++ b/topic/3. I2C/images/I2C.pptx
@@ -2,12 +2,17 @@
 <file path=ppt/presentation.xml><?xml version="1.0" encoding="utf-8"?>
 <p:presentation xmlns:a="http://schemas.openxmlformats.org/drawingml/2006/main" xmlns:r="http://schemas.openxmlformats.org/officeDocument/2006/relationships" xmlns:p="http://schemas.openxmlformats.org/presentationml/2006/main" saveSubsetFonts="1">
   <p:sldMasterIdLst>
-    <p:sldMasterId id="2147483660" r:id="rId1"/>
+    <p:sldMasterId id="2147483672" r:id="rId1"/>
   </p:sldMasterIdLst>
   <p:sldIdLst>
     <p:sldId id="257" r:id="rId2"/>
+    <p:sldId id="258" r:id="rId3"/>
+    <p:sldId id="262" r:id="rId4"/>
+    <p:sldId id="261" r:id="rId5"/>
+    <p:sldId id="259" r:id="rId6"/>
+    <p:sldId id="260" r:id="rId7"/>
   </p:sldIdLst>
-  <p:sldSz cx="10799763" cy="10799763"/>
+  <p:sldSz cx="14400213" cy="10799763"/>
   <p:notesSz cx="6858000" cy="9144000"/>
   <p:defaultTextStyle>
     <a:defPPr>
@@ -141,15 +146,15 @@
         </p:nvSpPr>
         <p:spPr>
           <a:xfrm>
-            <a:off x="809982" y="1767462"/>
-            <a:ext cx="9179799" cy="3759917"/>
+            <a:off x="1080016" y="1767462"/>
+            <a:ext cx="12240181" cy="3759917"/>
           </a:xfrm>
         </p:spPr>
         <p:txBody>
           <a:bodyPr anchor="b"/>
           <a:lstStyle>
             <a:lvl1pPr algn="ctr">
-              <a:defRPr sz="7087"/>
+              <a:defRPr sz="9449"/>
             </a:lvl1pPr>
           </a:lstStyle>
           <a:p>
@@ -173,8 +178,8 @@
         </p:nvSpPr>
         <p:spPr>
           <a:xfrm>
-            <a:off x="1349971" y="5672376"/>
-            <a:ext cx="8099822" cy="2607442"/>
+            <a:off x="1800027" y="5672376"/>
+            <a:ext cx="10800160" cy="2607442"/>
           </a:xfrm>
         </p:spPr>
         <p:txBody>
@@ -182,39 +187,39 @@
           <a:lstStyle>
             <a:lvl1pPr marL="0" indent="0" algn="ctr">
               <a:buNone/>
+              <a:defRPr sz="3780"/>
+            </a:lvl1pPr>
+            <a:lvl2pPr marL="719999" indent="0" algn="ctr">
+              <a:buNone/>
+              <a:defRPr sz="3150"/>
+            </a:lvl2pPr>
+            <a:lvl3pPr marL="1439997" indent="0" algn="ctr">
+              <a:buNone/>
               <a:defRPr sz="2835"/>
-            </a:lvl1pPr>
-            <a:lvl2pPr marL="539999" indent="0" algn="ctr">
-              <a:buNone/>
-              <a:defRPr sz="2362"/>
-            </a:lvl2pPr>
-            <a:lvl3pPr marL="1079998" indent="0" algn="ctr">
-              <a:buNone/>
-              <a:defRPr sz="2126"/>
             </a:lvl3pPr>
-            <a:lvl4pPr marL="1619997" indent="0" algn="ctr">
-              <a:buNone/>
-              <a:defRPr sz="1890"/>
+            <a:lvl4pPr marL="2159996" indent="0" algn="ctr">
+              <a:buNone/>
+              <a:defRPr sz="2520"/>
             </a:lvl4pPr>
-            <a:lvl5pPr marL="2159996" indent="0" algn="ctr">
-              <a:buNone/>
-              <a:defRPr sz="1890"/>
+            <a:lvl5pPr marL="2879994" indent="0" algn="ctr">
+              <a:buNone/>
+              <a:defRPr sz="2520"/>
             </a:lvl5pPr>
-            <a:lvl6pPr marL="2699995" indent="0" algn="ctr">
-              <a:buNone/>
-              <a:defRPr sz="1890"/>
+            <a:lvl6pPr marL="3599993" indent="0" algn="ctr">
+              <a:buNone/>
+              <a:defRPr sz="2520"/>
             </a:lvl6pPr>
-            <a:lvl7pPr marL="3239994" indent="0" algn="ctr">
-              <a:buNone/>
-              <a:defRPr sz="1890"/>
+            <a:lvl7pPr marL="4319991" indent="0" algn="ctr">
+              <a:buNone/>
+              <a:defRPr sz="2520"/>
             </a:lvl7pPr>
-            <a:lvl8pPr marL="3779992" indent="0" algn="ctr">
-              <a:buNone/>
-              <a:defRPr sz="1890"/>
+            <a:lvl8pPr marL="5039990" indent="0" algn="ctr">
+              <a:buNone/>
+              <a:defRPr sz="2520"/>
             </a:lvl8pPr>
-            <a:lvl9pPr marL="4319991" indent="0" algn="ctr">
-              <a:buNone/>
-              <a:defRPr sz="1890"/>
+            <a:lvl9pPr marL="5759988" indent="0" algn="ctr">
+              <a:buNone/>
+              <a:defRPr sz="2520"/>
             </a:lvl9pPr>
           </a:lstStyle>
           <a:p>
@@ -294,7 +299,7 @@
     </p:spTree>
     <p:extLst>
       <p:ext uri="{BB962C8B-B14F-4D97-AF65-F5344CB8AC3E}">
-        <p14:creationId xmlns:p14="http://schemas.microsoft.com/office/powerpoint/2010/main" val="3732805413"/>
+        <p14:creationId xmlns:p14="http://schemas.microsoft.com/office/powerpoint/2010/main" val="67792901"/>
       </p:ext>
     </p:extLst>
   </p:cSld>
@@ -464,7 +469,7 @@
     </p:spTree>
     <p:extLst>
       <p:ext uri="{BB962C8B-B14F-4D97-AF65-F5344CB8AC3E}">
-        <p14:creationId xmlns:p14="http://schemas.microsoft.com/office/powerpoint/2010/main" val="4129115653"/>
+        <p14:creationId xmlns:p14="http://schemas.microsoft.com/office/powerpoint/2010/main" val="3740971550"/>
       </p:ext>
     </p:extLst>
   </p:cSld>
@@ -503,8 +508,8 @@
         </p:nvSpPr>
         <p:spPr>
           <a:xfrm>
-            <a:off x="7728581" y="574987"/>
-            <a:ext cx="2328699" cy="9152300"/>
+            <a:off x="10305153" y="574987"/>
+            <a:ext cx="3105046" cy="9152300"/>
           </a:xfrm>
         </p:spPr>
         <p:txBody>
@@ -531,8 +536,8 @@
         </p:nvSpPr>
         <p:spPr>
           <a:xfrm>
-            <a:off x="742484" y="574987"/>
-            <a:ext cx="6851100" cy="9152300"/>
+            <a:off x="990015" y="574987"/>
+            <a:ext cx="9135135" cy="9152300"/>
           </a:xfrm>
         </p:spPr>
         <p:txBody>
@@ -644,7 +649,7 @@
     </p:spTree>
     <p:extLst>
       <p:ext uri="{BB962C8B-B14F-4D97-AF65-F5344CB8AC3E}">
-        <p14:creationId xmlns:p14="http://schemas.microsoft.com/office/powerpoint/2010/main" val="3900663363"/>
+        <p14:creationId xmlns:p14="http://schemas.microsoft.com/office/powerpoint/2010/main" val="2105582913"/>
       </p:ext>
     </p:extLst>
   </p:cSld>
@@ -814,7 +819,7 @@
     </p:spTree>
     <p:extLst>
       <p:ext uri="{BB962C8B-B14F-4D97-AF65-F5344CB8AC3E}">
-        <p14:creationId xmlns:p14="http://schemas.microsoft.com/office/powerpoint/2010/main" val="888422995"/>
+        <p14:creationId xmlns:p14="http://schemas.microsoft.com/office/powerpoint/2010/main" val="1847604902"/>
       </p:ext>
     </p:extLst>
   </p:cSld>
@@ -853,15 +858,15 @@
         </p:nvSpPr>
         <p:spPr>
           <a:xfrm>
-            <a:off x="736859" y="2692444"/>
-            <a:ext cx="9314796" cy="4492401"/>
+            <a:off x="982515" y="2692444"/>
+            <a:ext cx="12420184" cy="4492401"/>
           </a:xfrm>
         </p:spPr>
         <p:txBody>
           <a:bodyPr anchor="b"/>
           <a:lstStyle>
             <a:lvl1pPr>
-              <a:defRPr sz="7087"/>
+              <a:defRPr sz="9449"/>
             </a:lvl1pPr>
           </a:lstStyle>
           <a:p>
@@ -885,8 +890,8 @@
         </p:nvSpPr>
         <p:spPr>
           <a:xfrm>
-            <a:off x="736859" y="7227345"/>
-            <a:ext cx="9314796" cy="2362447"/>
+            <a:off x="982515" y="7227345"/>
+            <a:ext cx="12420184" cy="2362447"/>
           </a:xfrm>
         </p:spPr>
         <p:txBody>
@@ -894,15 +899,15 @@
           <a:lstStyle>
             <a:lvl1pPr marL="0" indent="0">
               <a:buNone/>
-              <a:defRPr sz="2835">
+              <a:defRPr sz="3780">
                 <a:solidFill>
                   <a:schemeClr val="tx1"/>
                 </a:solidFill>
               </a:defRPr>
             </a:lvl1pPr>
-            <a:lvl2pPr marL="539999" indent="0">
-              <a:buNone/>
-              <a:defRPr sz="2362">
+            <a:lvl2pPr marL="719999" indent="0">
+              <a:buNone/>
+              <a:defRPr sz="3150">
                 <a:solidFill>
                   <a:schemeClr val="tx1">
                     <a:tint val="75000"/>
@@ -910,9 +915,9 @@
                 </a:solidFill>
               </a:defRPr>
             </a:lvl2pPr>
-            <a:lvl3pPr marL="1079998" indent="0">
-              <a:buNone/>
-              <a:defRPr sz="2126">
+            <a:lvl3pPr marL="1439997" indent="0">
+              <a:buNone/>
+              <a:defRPr sz="2835">
                 <a:solidFill>
                   <a:schemeClr val="tx1">
                     <a:tint val="75000"/>
@@ -920,9 +925,9 @@
                 </a:solidFill>
               </a:defRPr>
             </a:lvl3pPr>
-            <a:lvl4pPr marL="1619997" indent="0">
-              <a:buNone/>
-              <a:defRPr sz="1890">
+            <a:lvl4pPr marL="2159996" indent="0">
+              <a:buNone/>
+              <a:defRPr sz="2520">
                 <a:solidFill>
                   <a:schemeClr val="tx1">
                     <a:tint val="75000"/>
@@ -930,9 +935,9 @@
                 </a:solidFill>
               </a:defRPr>
             </a:lvl4pPr>
-            <a:lvl5pPr marL="2159996" indent="0">
-              <a:buNone/>
-              <a:defRPr sz="1890">
+            <a:lvl5pPr marL="2879994" indent="0">
+              <a:buNone/>
+              <a:defRPr sz="2520">
                 <a:solidFill>
                   <a:schemeClr val="tx1">
                     <a:tint val="75000"/>
@@ -940,9 +945,9 @@
                 </a:solidFill>
               </a:defRPr>
             </a:lvl5pPr>
-            <a:lvl6pPr marL="2699995" indent="0">
-              <a:buNone/>
-              <a:defRPr sz="1890">
+            <a:lvl6pPr marL="3599993" indent="0">
+              <a:buNone/>
+              <a:defRPr sz="2520">
                 <a:solidFill>
                   <a:schemeClr val="tx1">
                     <a:tint val="75000"/>
@@ -950,9 +955,9 @@
                 </a:solidFill>
               </a:defRPr>
             </a:lvl6pPr>
-            <a:lvl7pPr marL="3239994" indent="0">
-              <a:buNone/>
-              <a:defRPr sz="1890">
+            <a:lvl7pPr marL="4319991" indent="0">
+              <a:buNone/>
+              <a:defRPr sz="2520">
                 <a:solidFill>
                   <a:schemeClr val="tx1">
                     <a:tint val="75000"/>
@@ -960,9 +965,9 @@
                 </a:solidFill>
               </a:defRPr>
             </a:lvl7pPr>
-            <a:lvl8pPr marL="3779992" indent="0">
-              <a:buNone/>
-              <a:defRPr sz="1890">
+            <a:lvl8pPr marL="5039990" indent="0">
+              <a:buNone/>
+              <a:defRPr sz="2520">
                 <a:solidFill>
                   <a:schemeClr val="tx1">
                     <a:tint val="75000"/>
@@ -970,9 +975,9 @@
                 </a:solidFill>
               </a:defRPr>
             </a:lvl8pPr>
-            <a:lvl9pPr marL="4319991" indent="0">
-              <a:buNone/>
-              <a:defRPr sz="1890">
+            <a:lvl9pPr marL="5759988" indent="0">
+              <a:buNone/>
+              <a:defRPr sz="2520">
                 <a:solidFill>
                   <a:schemeClr val="tx1">
                     <a:tint val="75000"/>
@@ -1058,7 +1063,7 @@
     </p:spTree>
     <p:extLst>
       <p:ext uri="{BB962C8B-B14F-4D97-AF65-F5344CB8AC3E}">
-        <p14:creationId xmlns:p14="http://schemas.microsoft.com/office/powerpoint/2010/main" val="711376867"/>
+        <p14:creationId xmlns:p14="http://schemas.microsoft.com/office/powerpoint/2010/main" val="2936955808"/>
       </p:ext>
     </p:extLst>
   </p:cSld>
@@ -1120,8 +1125,8 @@
         </p:nvSpPr>
         <p:spPr>
           <a:xfrm>
-            <a:off x="742484" y="2874937"/>
-            <a:ext cx="4589899" cy="6852350"/>
+            <a:off x="990014" y="2874937"/>
+            <a:ext cx="6120091" cy="6852350"/>
           </a:xfrm>
         </p:spPr>
         <p:txBody>
@@ -1177,8 +1182,8 @@
         </p:nvSpPr>
         <p:spPr>
           <a:xfrm>
-            <a:off x="5467380" y="2874937"/>
-            <a:ext cx="4589899" cy="6852350"/>
+            <a:off x="7290108" y="2874937"/>
+            <a:ext cx="6120091" cy="6852350"/>
           </a:xfrm>
         </p:spPr>
         <p:txBody>
@@ -1290,7 +1295,7 @@
     </p:spTree>
     <p:extLst>
       <p:ext uri="{BB962C8B-B14F-4D97-AF65-F5344CB8AC3E}">
-        <p14:creationId xmlns:p14="http://schemas.microsoft.com/office/powerpoint/2010/main" val="3151959793"/>
+        <p14:creationId xmlns:p14="http://schemas.microsoft.com/office/powerpoint/2010/main" val="4218023910"/>
       </p:ext>
     </p:extLst>
   </p:cSld>
@@ -1329,8 +1334,8 @@
         </p:nvSpPr>
         <p:spPr>
           <a:xfrm>
-            <a:off x="743890" y="574990"/>
-            <a:ext cx="9314796" cy="2087455"/>
+            <a:off x="991890" y="574990"/>
+            <a:ext cx="12420184" cy="2087455"/>
           </a:xfrm>
         </p:spPr>
         <p:txBody>
@@ -1357,8 +1362,8 @@
         </p:nvSpPr>
         <p:spPr>
           <a:xfrm>
-            <a:off x="743892" y="2647443"/>
-            <a:ext cx="4568805" cy="1297471"/>
+            <a:off x="991892" y="2647443"/>
+            <a:ext cx="6091964" cy="1297471"/>
           </a:xfrm>
         </p:spPr>
         <p:txBody>
@@ -1366,39 +1371,39 @@
           <a:lstStyle>
             <a:lvl1pPr marL="0" indent="0">
               <a:buNone/>
+              <a:defRPr sz="3780" b="1"/>
+            </a:lvl1pPr>
+            <a:lvl2pPr marL="719999" indent="0">
+              <a:buNone/>
+              <a:defRPr sz="3150" b="1"/>
+            </a:lvl2pPr>
+            <a:lvl3pPr marL="1439997" indent="0">
+              <a:buNone/>
               <a:defRPr sz="2835" b="1"/>
-            </a:lvl1pPr>
-            <a:lvl2pPr marL="539999" indent="0">
-              <a:buNone/>
-              <a:defRPr sz="2362" b="1"/>
-            </a:lvl2pPr>
-            <a:lvl3pPr marL="1079998" indent="0">
-              <a:buNone/>
-              <a:defRPr sz="2126" b="1"/>
             </a:lvl3pPr>
-            <a:lvl4pPr marL="1619997" indent="0">
-              <a:buNone/>
-              <a:defRPr sz="1890" b="1"/>
+            <a:lvl4pPr marL="2159996" indent="0">
+              <a:buNone/>
+              <a:defRPr sz="2520" b="1"/>
             </a:lvl4pPr>
-            <a:lvl5pPr marL="2159996" indent="0">
-              <a:buNone/>
-              <a:defRPr sz="1890" b="1"/>
+            <a:lvl5pPr marL="2879994" indent="0">
+              <a:buNone/>
+              <a:defRPr sz="2520" b="1"/>
             </a:lvl5pPr>
-            <a:lvl6pPr marL="2699995" indent="0">
-              <a:buNone/>
-              <a:defRPr sz="1890" b="1"/>
+            <a:lvl6pPr marL="3599993" indent="0">
+              <a:buNone/>
+              <a:defRPr sz="2520" b="1"/>
             </a:lvl6pPr>
-            <a:lvl7pPr marL="3239994" indent="0">
-              <a:buNone/>
-              <a:defRPr sz="1890" b="1"/>
+            <a:lvl7pPr marL="4319991" indent="0">
+              <a:buNone/>
+              <a:defRPr sz="2520" b="1"/>
             </a:lvl7pPr>
-            <a:lvl8pPr marL="3779992" indent="0">
-              <a:buNone/>
-              <a:defRPr sz="1890" b="1"/>
+            <a:lvl8pPr marL="5039990" indent="0">
+              <a:buNone/>
+              <a:defRPr sz="2520" b="1"/>
             </a:lvl8pPr>
-            <a:lvl9pPr marL="4319991" indent="0">
-              <a:buNone/>
-              <a:defRPr sz="1890" b="1"/>
+            <a:lvl9pPr marL="5759988" indent="0">
+              <a:buNone/>
+              <a:defRPr sz="2520" b="1"/>
             </a:lvl9pPr>
           </a:lstStyle>
           <a:p>
@@ -1422,8 +1427,8 @@
         </p:nvSpPr>
         <p:spPr>
           <a:xfrm>
-            <a:off x="743892" y="3944914"/>
-            <a:ext cx="4568805" cy="5802373"/>
+            <a:off x="991892" y="3944914"/>
+            <a:ext cx="6091964" cy="5802373"/>
           </a:xfrm>
         </p:spPr>
         <p:txBody>
@@ -1479,8 +1484,8 @@
         </p:nvSpPr>
         <p:spPr>
           <a:xfrm>
-            <a:off x="5467381" y="2647443"/>
-            <a:ext cx="4591306" cy="1297471"/>
+            <a:off x="7290109" y="2647443"/>
+            <a:ext cx="6121966" cy="1297471"/>
           </a:xfrm>
         </p:spPr>
         <p:txBody>
@@ -1488,39 +1493,39 @@
           <a:lstStyle>
             <a:lvl1pPr marL="0" indent="0">
               <a:buNone/>
+              <a:defRPr sz="3780" b="1"/>
+            </a:lvl1pPr>
+            <a:lvl2pPr marL="719999" indent="0">
+              <a:buNone/>
+              <a:defRPr sz="3150" b="1"/>
+            </a:lvl2pPr>
+            <a:lvl3pPr marL="1439997" indent="0">
+              <a:buNone/>
               <a:defRPr sz="2835" b="1"/>
-            </a:lvl1pPr>
-            <a:lvl2pPr marL="539999" indent="0">
-              <a:buNone/>
-              <a:defRPr sz="2362" b="1"/>
-            </a:lvl2pPr>
-            <a:lvl3pPr marL="1079998" indent="0">
-              <a:buNone/>
-              <a:defRPr sz="2126" b="1"/>
             </a:lvl3pPr>
-            <a:lvl4pPr marL="1619997" indent="0">
-              <a:buNone/>
-              <a:defRPr sz="1890" b="1"/>
+            <a:lvl4pPr marL="2159996" indent="0">
+              <a:buNone/>
+              <a:defRPr sz="2520" b="1"/>
             </a:lvl4pPr>
-            <a:lvl5pPr marL="2159996" indent="0">
-              <a:buNone/>
-              <a:defRPr sz="1890" b="1"/>
+            <a:lvl5pPr marL="2879994" indent="0">
+              <a:buNone/>
+              <a:defRPr sz="2520" b="1"/>
             </a:lvl5pPr>
-            <a:lvl6pPr marL="2699995" indent="0">
-              <a:buNone/>
-              <a:defRPr sz="1890" b="1"/>
+            <a:lvl6pPr marL="3599993" indent="0">
+              <a:buNone/>
+              <a:defRPr sz="2520" b="1"/>
             </a:lvl6pPr>
-            <a:lvl7pPr marL="3239994" indent="0">
-              <a:buNone/>
-              <a:defRPr sz="1890" b="1"/>
+            <a:lvl7pPr marL="4319991" indent="0">
+              <a:buNone/>
+              <a:defRPr sz="2520" b="1"/>
             </a:lvl7pPr>
-            <a:lvl8pPr marL="3779992" indent="0">
-              <a:buNone/>
-              <a:defRPr sz="1890" b="1"/>
+            <a:lvl8pPr marL="5039990" indent="0">
+              <a:buNone/>
+              <a:defRPr sz="2520" b="1"/>
             </a:lvl8pPr>
-            <a:lvl9pPr marL="4319991" indent="0">
-              <a:buNone/>
-              <a:defRPr sz="1890" b="1"/>
+            <a:lvl9pPr marL="5759988" indent="0">
+              <a:buNone/>
+              <a:defRPr sz="2520" b="1"/>
             </a:lvl9pPr>
           </a:lstStyle>
           <a:p>
@@ -1544,8 +1549,8 @@
         </p:nvSpPr>
         <p:spPr>
           <a:xfrm>
-            <a:off x="5467381" y="3944914"/>
-            <a:ext cx="4591306" cy="5802373"/>
+            <a:off x="7290109" y="3944914"/>
+            <a:ext cx="6121966" cy="5802373"/>
           </a:xfrm>
         </p:spPr>
         <p:txBody>
@@ -1657,7 +1662,7 @@
     </p:spTree>
     <p:extLst>
       <p:ext uri="{BB962C8B-B14F-4D97-AF65-F5344CB8AC3E}">
-        <p14:creationId xmlns:p14="http://schemas.microsoft.com/office/powerpoint/2010/main" val="3969875282"/>
+        <p14:creationId xmlns:p14="http://schemas.microsoft.com/office/powerpoint/2010/main" val="2844722978"/>
       </p:ext>
     </p:extLst>
   </p:cSld>
@@ -1775,7 +1780,7 @@
     </p:spTree>
     <p:extLst>
       <p:ext uri="{BB962C8B-B14F-4D97-AF65-F5344CB8AC3E}">
-        <p14:creationId xmlns:p14="http://schemas.microsoft.com/office/powerpoint/2010/main" val="2377886815"/>
+        <p14:creationId xmlns:p14="http://schemas.microsoft.com/office/powerpoint/2010/main" val="3849795888"/>
       </p:ext>
     </p:extLst>
   </p:cSld>
@@ -1870,7 +1875,7 @@
     </p:spTree>
     <p:extLst>
       <p:ext uri="{BB962C8B-B14F-4D97-AF65-F5344CB8AC3E}">
-        <p14:creationId xmlns:p14="http://schemas.microsoft.com/office/powerpoint/2010/main" val="758288906"/>
+        <p14:creationId xmlns:p14="http://schemas.microsoft.com/office/powerpoint/2010/main" val="3503696640"/>
       </p:ext>
     </p:extLst>
   </p:cSld>
@@ -1909,15 +1914,15 @@
         </p:nvSpPr>
         <p:spPr>
           <a:xfrm>
-            <a:off x="743890" y="719984"/>
-            <a:ext cx="3483205" cy="2519945"/>
+            <a:off x="991890" y="719984"/>
+            <a:ext cx="4644444" cy="2519945"/>
           </a:xfrm>
         </p:spPr>
         <p:txBody>
           <a:bodyPr anchor="b"/>
           <a:lstStyle>
             <a:lvl1pPr>
-              <a:defRPr sz="3780"/>
+              <a:defRPr sz="5039"/>
             </a:lvl1pPr>
           </a:lstStyle>
           <a:p>
@@ -1941,39 +1946,39 @@
         </p:nvSpPr>
         <p:spPr>
           <a:xfrm>
-            <a:off x="4591306" y="1554968"/>
-            <a:ext cx="5467380" cy="7674832"/>
+            <a:off x="6121966" y="1554968"/>
+            <a:ext cx="7290108" cy="7674832"/>
           </a:xfrm>
         </p:spPr>
         <p:txBody>
           <a:bodyPr/>
           <a:lstStyle>
             <a:lvl1pPr>
-              <a:defRPr sz="3780"/>
+              <a:defRPr sz="5039"/>
             </a:lvl1pPr>
             <a:lvl2pPr>
-              <a:defRPr sz="3307"/>
+              <a:defRPr sz="4409"/>
             </a:lvl2pPr>
             <a:lvl3pPr>
-              <a:defRPr sz="2835"/>
+              <a:defRPr sz="3780"/>
             </a:lvl3pPr>
             <a:lvl4pPr>
-              <a:defRPr sz="2362"/>
+              <a:defRPr sz="3150"/>
             </a:lvl4pPr>
             <a:lvl5pPr>
-              <a:defRPr sz="2362"/>
+              <a:defRPr sz="3150"/>
             </a:lvl5pPr>
             <a:lvl6pPr>
-              <a:defRPr sz="2362"/>
+              <a:defRPr sz="3150"/>
             </a:lvl6pPr>
             <a:lvl7pPr>
-              <a:defRPr sz="2362"/>
+              <a:defRPr sz="3150"/>
             </a:lvl7pPr>
             <a:lvl8pPr>
-              <a:defRPr sz="2362"/>
+              <a:defRPr sz="3150"/>
             </a:lvl8pPr>
             <a:lvl9pPr>
-              <a:defRPr sz="2362"/>
+              <a:defRPr sz="3150"/>
             </a:lvl9pPr>
           </a:lstStyle>
           <a:p>
@@ -2026,8 +2031,8 @@
         </p:nvSpPr>
         <p:spPr>
           <a:xfrm>
-            <a:off x="743890" y="3239929"/>
-            <a:ext cx="3483205" cy="6002369"/>
+            <a:off x="991890" y="3239929"/>
+            <a:ext cx="4644444" cy="6002369"/>
           </a:xfrm>
         </p:spPr>
         <p:txBody>
@@ -2035,39 +2040,39 @@
           <a:lstStyle>
             <a:lvl1pPr marL="0" indent="0">
               <a:buNone/>
+              <a:defRPr sz="2520"/>
+            </a:lvl1pPr>
+            <a:lvl2pPr marL="719999" indent="0">
+              <a:buNone/>
+              <a:defRPr sz="2205"/>
+            </a:lvl2pPr>
+            <a:lvl3pPr marL="1439997" indent="0">
+              <a:buNone/>
               <a:defRPr sz="1890"/>
-            </a:lvl1pPr>
-            <a:lvl2pPr marL="539999" indent="0">
-              <a:buNone/>
-              <a:defRPr sz="1654"/>
-            </a:lvl2pPr>
-            <a:lvl3pPr marL="1079998" indent="0">
-              <a:buNone/>
-              <a:defRPr sz="1417"/>
             </a:lvl3pPr>
-            <a:lvl4pPr marL="1619997" indent="0">
-              <a:buNone/>
-              <a:defRPr sz="1181"/>
+            <a:lvl4pPr marL="2159996" indent="0">
+              <a:buNone/>
+              <a:defRPr sz="1575"/>
             </a:lvl4pPr>
-            <a:lvl5pPr marL="2159996" indent="0">
-              <a:buNone/>
-              <a:defRPr sz="1181"/>
+            <a:lvl5pPr marL="2879994" indent="0">
+              <a:buNone/>
+              <a:defRPr sz="1575"/>
             </a:lvl5pPr>
-            <a:lvl6pPr marL="2699995" indent="0">
-              <a:buNone/>
-              <a:defRPr sz="1181"/>
+            <a:lvl6pPr marL="3599993" indent="0">
+              <a:buNone/>
+              <a:defRPr sz="1575"/>
             </a:lvl6pPr>
-            <a:lvl7pPr marL="3239994" indent="0">
-              <a:buNone/>
-              <a:defRPr sz="1181"/>
+            <a:lvl7pPr marL="4319991" indent="0">
+              <a:buNone/>
+              <a:defRPr sz="1575"/>
             </a:lvl7pPr>
-            <a:lvl8pPr marL="3779992" indent="0">
-              <a:buNone/>
-              <a:defRPr sz="1181"/>
+            <a:lvl8pPr marL="5039990" indent="0">
+              <a:buNone/>
+              <a:defRPr sz="1575"/>
             </a:lvl8pPr>
-            <a:lvl9pPr marL="4319991" indent="0">
-              <a:buNone/>
-              <a:defRPr sz="1181"/>
+            <a:lvl9pPr marL="5759988" indent="0">
+              <a:buNone/>
+              <a:defRPr sz="1575"/>
             </a:lvl9pPr>
           </a:lstStyle>
           <a:p>
@@ -2147,7 +2152,7 @@
     </p:spTree>
     <p:extLst>
       <p:ext uri="{BB962C8B-B14F-4D97-AF65-F5344CB8AC3E}">
-        <p14:creationId xmlns:p14="http://schemas.microsoft.com/office/powerpoint/2010/main" val="953928466"/>
+        <p14:creationId xmlns:p14="http://schemas.microsoft.com/office/powerpoint/2010/main" val="2814235947"/>
       </p:ext>
     </p:extLst>
   </p:cSld>
@@ -2186,15 +2191,15 @@
         </p:nvSpPr>
         <p:spPr>
           <a:xfrm>
-            <a:off x="743890" y="719984"/>
-            <a:ext cx="3483205" cy="2519945"/>
+            <a:off x="991890" y="719984"/>
+            <a:ext cx="4644444" cy="2519945"/>
           </a:xfrm>
         </p:spPr>
         <p:txBody>
           <a:bodyPr anchor="b"/>
           <a:lstStyle>
             <a:lvl1pPr>
-              <a:defRPr sz="3780"/>
+              <a:defRPr sz="5039"/>
             </a:lvl1pPr>
           </a:lstStyle>
           <a:p>
@@ -2218,8 +2223,8 @@
         </p:nvSpPr>
         <p:spPr>
           <a:xfrm>
-            <a:off x="4591306" y="1554968"/>
-            <a:ext cx="5467380" cy="7674832"/>
+            <a:off x="6121966" y="1554968"/>
+            <a:ext cx="7290108" cy="7674832"/>
           </a:xfrm>
         </p:spPr>
         <p:txBody>
@@ -2227,39 +2232,39 @@
           <a:lstStyle>
             <a:lvl1pPr marL="0" indent="0">
               <a:buNone/>
+              <a:defRPr sz="5039"/>
+            </a:lvl1pPr>
+            <a:lvl2pPr marL="719999" indent="0">
+              <a:buNone/>
+              <a:defRPr sz="4409"/>
+            </a:lvl2pPr>
+            <a:lvl3pPr marL="1439997" indent="0">
+              <a:buNone/>
               <a:defRPr sz="3780"/>
-            </a:lvl1pPr>
-            <a:lvl2pPr marL="539999" indent="0">
-              <a:buNone/>
-              <a:defRPr sz="3307"/>
-            </a:lvl2pPr>
-            <a:lvl3pPr marL="1079998" indent="0">
-              <a:buNone/>
-              <a:defRPr sz="2835"/>
             </a:lvl3pPr>
-            <a:lvl4pPr marL="1619997" indent="0">
-              <a:buNone/>
-              <a:defRPr sz="2362"/>
+            <a:lvl4pPr marL="2159996" indent="0">
+              <a:buNone/>
+              <a:defRPr sz="3150"/>
             </a:lvl4pPr>
-            <a:lvl5pPr marL="2159996" indent="0">
-              <a:buNone/>
-              <a:defRPr sz="2362"/>
+            <a:lvl5pPr marL="2879994" indent="0">
+              <a:buNone/>
+              <a:defRPr sz="3150"/>
             </a:lvl5pPr>
-            <a:lvl6pPr marL="2699995" indent="0">
-              <a:buNone/>
-              <a:defRPr sz="2362"/>
+            <a:lvl6pPr marL="3599993" indent="0">
+              <a:buNone/>
+              <a:defRPr sz="3150"/>
             </a:lvl6pPr>
-            <a:lvl7pPr marL="3239994" indent="0">
-              <a:buNone/>
-              <a:defRPr sz="2362"/>
+            <a:lvl7pPr marL="4319991" indent="0">
+              <a:buNone/>
+              <a:defRPr sz="3150"/>
             </a:lvl7pPr>
-            <a:lvl8pPr marL="3779992" indent="0">
-              <a:buNone/>
-              <a:defRPr sz="2362"/>
+            <a:lvl8pPr marL="5039990" indent="0">
+              <a:buNone/>
+              <a:defRPr sz="3150"/>
             </a:lvl8pPr>
-            <a:lvl9pPr marL="4319991" indent="0">
-              <a:buNone/>
-              <a:defRPr sz="2362"/>
+            <a:lvl9pPr marL="5759988" indent="0">
+              <a:buNone/>
+              <a:defRPr sz="3150"/>
             </a:lvl9pPr>
           </a:lstStyle>
           <a:p>
@@ -2283,8 +2288,8 @@
         </p:nvSpPr>
         <p:spPr>
           <a:xfrm>
-            <a:off x="743890" y="3239929"/>
-            <a:ext cx="3483205" cy="6002369"/>
+            <a:off x="991890" y="3239929"/>
+            <a:ext cx="4644444" cy="6002369"/>
           </a:xfrm>
         </p:spPr>
         <p:txBody>
@@ -2292,39 +2297,39 @@
           <a:lstStyle>
             <a:lvl1pPr marL="0" indent="0">
               <a:buNone/>
+              <a:defRPr sz="2520"/>
+            </a:lvl1pPr>
+            <a:lvl2pPr marL="719999" indent="0">
+              <a:buNone/>
+              <a:defRPr sz="2205"/>
+            </a:lvl2pPr>
+            <a:lvl3pPr marL="1439997" indent="0">
+              <a:buNone/>
               <a:defRPr sz="1890"/>
-            </a:lvl1pPr>
-            <a:lvl2pPr marL="539999" indent="0">
-              <a:buNone/>
-              <a:defRPr sz="1654"/>
-            </a:lvl2pPr>
-            <a:lvl3pPr marL="1079998" indent="0">
-              <a:buNone/>
-              <a:defRPr sz="1417"/>
             </a:lvl3pPr>
-            <a:lvl4pPr marL="1619997" indent="0">
-              <a:buNone/>
-              <a:defRPr sz="1181"/>
+            <a:lvl4pPr marL="2159996" indent="0">
+              <a:buNone/>
+              <a:defRPr sz="1575"/>
             </a:lvl4pPr>
-            <a:lvl5pPr marL="2159996" indent="0">
-              <a:buNone/>
-              <a:defRPr sz="1181"/>
+            <a:lvl5pPr marL="2879994" indent="0">
+              <a:buNone/>
+              <a:defRPr sz="1575"/>
             </a:lvl5pPr>
-            <a:lvl6pPr marL="2699995" indent="0">
-              <a:buNone/>
-              <a:defRPr sz="1181"/>
+            <a:lvl6pPr marL="3599993" indent="0">
+              <a:buNone/>
+              <a:defRPr sz="1575"/>
             </a:lvl6pPr>
-            <a:lvl7pPr marL="3239994" indent="0">
-              <a:buNone/>
-              <a:defRPr sz="1181"/>
+            <a:lvl7pPr marL="4319991" indent="0">
+              <a:buNone/>
+              <a:defRPr sz="1575"/>
             </a:lvl7pPr>
-            <a:lvl8pPr marL="3779992" indent="0">
-              <a:buNone/>
-              <a:defRPr sz="1181"/>
+            <a:lvl8pPr marL="5039990" indent="0">
+              <a:buNone/>
+              <a:defRPr sz="1575"/>
             </a:lvl8pPr>
-            <a:lvl9pPr marL="4319991" indent="0">
-              <a:buNone/>
-              <a:defRPr sz="1181"/>
+            <a:lvl9pPr marL="5759988" indent="0">
+              <a:buNone/>
+              <a:defRPr sz="1575"/>
             </a:lvl9pPr>
           </a:lstStyle>
           <a:p>
@@ -2404,7 +2409,7 @@
     </p:spTree>
     <p:extLst>
       <p:ext uri="{BB962C8B-B14F-4D97-AF65-F5344CB8AC3E}">
-        <p14:creationId xmlns:p14="http://schemas.microsoft.com/office/powerpoint/2010/main" val="2068719759"/>
+        <p14:creationId xmlns:p14="http://schemas.microsoft.com/office/powerpoint/2010/main" val="3790447724"/>
       </p:ext>
     </p:extLst>
   </p:cSld>
@@ -2448,8 +2453,8 @@
         </p:nvSpPr>
         <p:spPr>
           <a:xfrm>
-            <a:off x="742484" y="574990"/>
-            <a:ext cx="9314796" cy="2087455"/>
+            <a:off x="990015" y="574990"/>
+            <a:ext cx="12420184" cy="2087455"/>
           </a:xfrm>
           <a:prstGeom prst="rect">
             <a:avLst/>
@@ -2481,8 +2486,8 @@
         </p:nvSpPr>
         <p:spPr>
           <a:xfrm>
-            <a:off x="742484" y="2874937"/>
-            <a:ext cx="9314796" cy="6852350"/>
+            <a:off x="990015" y="2874937"/>
+            <a:ext cx="12420184" cy="6852350"/>
           </a:xfrm>
           <a:prstGeom prst="rect">
             <a:avLst/>
@@ -2543,8 +2548,8 @@
         </p:nvSpPr>
         <p:spPr>
           <a:xfrm>
-            <a:off x="742484" y="10009783"/>
-            <a:ext cx="2429947" cy="574987"/>
+            <a:off x="990015" y="10009783"/>
+            <a:ext cx="3240048" cy="574987"/>
           </a:xfrm>
           <a:prstGeom prst="rect">
             <a:avLst/>
@@ -2554,7 +2559,7 @@
           <a:bodyPr vert="horz" lIns="91440" tIns="45720" rIns="91440" bIns="45720" rtlCol="0" anchor="ctr"/>
           <a:lstStyle>
             <a:lvl1pPr algn="l">
-              <a:defRPr sz="1417">
+              <a:defRPr sz="1890">
                 <a:solidFill>
                   <a:schemeClr val="tx1">
                     <a:tint val="75000"/>
@@ -2584,8 +2589,8 @@
         </p:nvSpPr>
         <p:spPr>
           <a:xfrm>
-            <a:off x="3577422" y="10009783"/>
-            <a:ext cx="3644920" cy="574987"/>
+            <a:off x="4770071" y="10009783"/>
+            <a:ext cx="4860072" cy="574987"/>
           </a:xfrm>
           <a:prstGeom prst="rect">
             <a:avLst/>
@@ -2595,7 +2600,7 @@
           <a:bodyPr vert="horz" lIns="91440" tIns="45720" rIns="91440" bIns="45720" rtlCol="0" anchor="ctr"/>
           <a:lstStyle>
             <a:lvl1pPr algn="ctr">
-              <a:defRPr sz="1417">
+              <a:defRPr sz="1890">
                 <a:solidFill>
                   <a:schemeClr val="tx1">
                     <a:tint val="75000"/>
@@ -2621,8 +2626,8 @@
         </p:nvSpPr>
         <p:spPr>
           <a:xfrm>
-            <a:off x="7627332" y="10009783"/>
-            <a:ext cx="2429947" cy="574987"/>
+            <a:off x="10170150" y="10009783"/>
+            <a:ext cx="3240048" cy="574987"/>
           </a:xfrm>
           <a:prstGeom prst="rect">
             <a:avLst/>
@@ -2632,7 +2637,7 @@
           <a:bodyPr vert="horz" lIns="91440" tIns="45720" rIns="91440" bIns="45720" rtlCol="0" anchor="ctr"/>
           <a:lstStyle>
             <a:lvl1pPr algn="r">
-              <a:defRPr sz="1417">
+              <a:defRPr sz="1890">
                 <a:solidFill>
                   <a:schemeClr val="tx1">
                     <a:tint val="75000"/>
@@ -2653,27 +2658,27 @@
     </p:spTree>
     <p:extLst>
       <p:ext uri="{BB962C8B-B14F-4D97-AF65-F5344CB8AC3E}">
-        <p14:creationId xmlns:p14="http://schemas.microsoft.com/office/powerpoint/2010/main" val="3071622118"/>
+        <p14:creationId xmlns:p14="http://schemas.microsoft.com/office/powerpoint/2010/main" val="3697975595"/>
       </p:ext>
     </p:extLst>
   </p:cSld>
   <p:clrMap bg1="lt1" tx1="dk1" bg2="lt2" tx2="dk2" accent1="accent1" accent2="accent2" accent3="accent3" accent4="accent4" accent5="accent5" accent6="accent6" hlink="hlink" folHlink="folHlink"/>
   <p:sldLayoutIdLst>
-    <p:sldLayoutId id="2147483661" r:id="rId1"/>
-    <p:sldLayoutId id="2147483662" r:id="rId2"/>
-    <p:sldLayoutId id="2147483663" r:id="rId3"/>
-    <p:sldLayoutId id="2147483664" r:id="rId4"/>
-    <p:sldLayoutId id="2147483665" r:id="rId5"/>
-    <p:sldLayoutId id="2147483666" r:id="rId6"/>
-    <p:sldLayoutId id="2147483667" r:id="rId7"/>
-    <p:sldLayoutId id="2147483668" r:id="rId8"/>
-    <p:sldLayoutId id="2147483669" r:id="rId9"/>
-    <p:sldLayoutId id="2147483670" r:id="rId10"/>
-    <p:sldLayoutId id="2147483671" r:id="rId11"/>
+    <p:sldLayoutId id="2147483673" r:id="rId1"/>
+    <p:sldLayoutId id="2147483674" r:id="rId2"/>
+    <p:sldLayoutId id="2147483675" r:id="rId3"/>
+    <p:sldLayoutId id="2147483676" r:id="rId4"/>
+    <p:sldLayoutId id="2147483677" r:id="rId5"/>
+    <p:sldLayoutId id="2147483678" r:id="rId6"/>
+    <p:sldLayoutId id="2147483679" r:id="rId7"/>
+    <p:sldLayoutId id="2147483680" r:id="rId8"/>
+    <p:sldLayoutId id="2147483681" r:id="rId9"/>
+    <p:sldLayoutId id="2147483682" r:id="rId10"/>
+    <p:sldLayoutId id="2147483683" r:id="rId11"/>
   </p:sldLayoutIdLst>
   <p:txStyles>
     <p:titleStyle>
-      <a:lvl1pPr algn="l" defTabSz="1079998" rtl="0" eaLnBrk="1" latinLnBrk="1" hangingPunct="1">
+      <a:lvl1pPr algn="l" defTabSz="1439997" rtl="0" eaLnBrk="1" latinLnBrk="1" hangingPunct="1">
         <a:lnSpc>
           <a:spcPct val="90000"/>
         </a:lnSpc>
@@ -2681,7 +2686,7 @@
           <a:spcPct val="0"/>
         </a:spcBef>
         <a:buNone/>
-        <a:defRPr sz="5197" kern="1200">
+        <a:defRPr sz="6929" kern="1200">
           <a:solidFill>
             <a:schemeClr val="tx1"/>
           </a:solidFill>
@@ -2692,16 +2697,16 @@
       </a:lvl1pPr>
     </p:titleStyle>
     <p:bodyStyle>
-      <a:lvl1pPr marL="269999" indent="-269999" algn="l" defTabSz="1079998" rtl="0" eaLnBrk="1" latinLnBrk="1" hangingPunct="1">
+      <a:lvl1pPr marL="359999" indent="-359999" algn="l" defTabSz="1439997" rtl="0" eaLnBrk="1" latinLnBrk="1" hangingPunct="1">
         <a:lnSpc>
           <a:spcPct val="90000"/>
         </a:lnSpc>
         <a:spcBef>
-          <a:spcPts val="1181"/>
+          <a:spcPts val="1575"/>
         </a:spcBef>
         <a:buFont typeface="Arial" panose="020B0604020202020204" pitchFamily="34" charset="0"/>
         <a:buChar char="•"/>
-        <a:defRPr sz="3307" kern="1200">
+        <a:defRPr sz="4409" kern="1200">
           <a:solidFill>
             <a:schemeClr val="tx1"/>
           </a:solidFill>
@@ -2710,12 +2715,48 @@
           <a:cs typeface="+mn-cs"/>
         </a:defRPr>
       </a:lvl1pPr>
-      <a:lvl2pPr marL="809998" indent="-269999" algn="l" defTabSz="1079998" rtl="0" eaLnBrk="1" latinLnBrk="1" hangingPunct="1">
+      <a:lvl2pPr marL="1079998" indent="-359999" algn="l" defTabSz="1439997" rtl="0" eaLnBrk="1" latinLnBrk="1" hangingPunct="1">
         <a:lnSpc>
           <a:spcPct val="90000"/>
         </a:lnSpc>
         <a:spcBef>
-          <a:spcPts val="591"/>
+          <a:spcPts val="787"/>
+        </a:spcBef>
+        <a:buFont typeface="Arial" panose="020B0604020202020204" pitchFamily="34" charset="0"/>
+        <a:buChar char="•"/>
+        <a:defRPr sz="3780" kern="1200">
+          <a:solidFill>
+            <a:schemeClr val="tx1"/>
+          </a:solidFill>
+          <a:latin typeface="+mn-lt"/>
+          <a:ea typeface="+mn-ea"/>
+          <a:cs typeface="+mn-cs"/>
+        </a:defRPr>
+      </a:lvl2pPr>
+      <a:lvl3pPr marL="1799996" indent="-359999" algn="l" defTabSz="1439997" rtl="0" eaLnBrk="1" latinLnBrk="1" hangingPunct="1">
+        <a:lnSpc>
+          <a:spcPct val="90000"/>
+        </a:lnSpc>
+        <a:spcBef>
+          <a:spcPts val="787"/>
+        </a:spcBef>
+        <a:buFont typeface="Arial" panose="020B0604020202020204" pitchFamily="34" charset="0"/>
+        <a:buChar char="•"/>
+        <a:defRPr sz="3150" kern="1200">
+          <a:solidFill>
+            <a:schemeClr val="tx1"/>
+          </a:solidFill>
+          <a:latin typeface="+mn-lt"/>
+          <a:ea typeface="+mn-ea"/>
+          <a:cs typeface="+mn-cs"/>
+        </a:defRPr>
+      </a:lvl3pPr>
+      <a:lvl4pPr marL="2519995" indent="-359999" algn="l" defTabSz="1439997" rtl="0" eaLnBrk="1" latinLnBrk="1" hangingPunct="1">
+        <a:lnSpc>
+          <a:spcPct val="90000"/>
+        </a:lnSpc>
+        <a:spcBef>
+          <a:spcPts val="787"/>
         </a:spcBef>
         <a:buFont typeface="Arial" panose="020B0604020202020204" pitchFamily="34" charset="0"/>
         <a:buChar char="•"/>
@@ -2727,53 +2768,17 @@
           <a:ea typeface="+mn-ea"/>
           <a:cs typeface="+mn-cs"/>
         </a:defRPr>
-      </a:lvl2pPr>
-      <a:lvl3pPr marL="1349997" indent="-269999" algn="l" defTabSz="1079998" rtl="0" eaLnBrk="1" latinLnBrk="1" hangingPunct="1">
+      </a:lvl4pPr>
+      <a:lvl5pPr marL="3239994" indent="-359999" algn="l" defTabSz="1439997" rtl="0" eaLnBrk="1" latinLnBrk="1" hangingPunct="1">
         <a:lnSpc>
           <a:spcPct val="90000"/>
         </a:lnSpc>
         <a:spcBef>
-          <a:spcPts val="591"/>
+          <a:spcPts val="787"/>
         </a:spcBef>
         <a:buFont typeface="Arial" panose="020B0604020202020204" pitchFamily="34" charset="0"/>
         <a:buChar char="•"/>
-        <a:defRPr sz="2362" kern="1200">
-          <a:solidFill>
-            <a:schemeClr val="tx1"/>
-          </a:solidFill>
-          <a:latin typeface="+mn-lt"/>
-          <a:ea typeface="+mn-ea"/>
-          <a:cs typeface="+mn-cs"/>
-        </a:defRPr>
-      </a:lvl3pPr>
-      <a:lvl4pPr marL="1889996" indent="-269999" algn="l" defTabSz="1079998" rtl="0" eaLnBrk="1" latinLnBrk="1" hangingPunct="1">
-        <a:lnSpc>
-          <a:spcPct val="90000"/>
-        </a:lnSpc>
-        <a:spcBef>
-          <a:spcPts val="591"/>
-        </a:spcBef>
-        <a:buFont typeface="Arial" panose="020B0604020202020204" pitchFamily="34" charset="0"/>
-        <a:buChar char="•"/>
-        <a:defRPr sz="2126" kern="1200">
-          <a:solidFill>
-            <a:schemeClr val="tx1"/>
-          </a:solidFill>
-          <a:latin typeface="+mn-lt"/>
-          <a:ea typeface="+mn-ea"/>
-          <a:cs typeface="+mn-cs"/>
-        </a:defRPr>
-      </a:lvl4pPr>
-      <a:lvl5pPr marL="2429995" indent="-269999" algn="l" defTabSz="1079998" rtl="0" eaLnBrk="1" latinLnBrk="1" hangingPunct="1">
-        <a:lnSpc>
-          <a:spcPct val="90000"/>
-        </a:lnSpc>
-        <a:spcBef>
-          <a:spcPts val="591"/>
-        </a:spcBef>
-        <a:buFont typeface="Arial" panose="020B0604020202020204" pitchFamily="34" charset="0"/>
-        <a:buChar char="•"/>
-        <a:defRPr sz="2126" kern="1200">
+        <a:defRPr sz="2835" kern="1200">
           <a:solidFill>
             <a:schemeClr val="tx1"/>
           </a:solidFill>
@@ -2782,16 +2787,16 @@
           <a:cs typeface="+mn-cs"/>
         </a:defRPr>
       </a:lvl5pPr>
-      <a:lvl6pPr marL="2969994" indent="-269999" algn="l" defTabSz="1079998" rtl="0" eaLnBrk="1" latinLnBrk="1" hangingPunct="1">
+      <a:lvl6pPr marL="3959992" indent="-359999" algn="l" defTabSz="1439997" rtl="0" eaLnBrk="1" latinLnBrk="1" hangingPunct="1">
         <a:lnSpc>
           <a:spcPct val="90000"/>
         </a:lnSpc>
         <a:spcBef>
-          <a:spcPts val="591"/>
+          <a:spcPts val="787"/>
         </a:spcBef>
         <a:buFont typeface="Arial" panose="020B0604020202020204" pitchFamily="34" charset="0"/>
         <a:buChar char="•"/>
-        <a:defRPr sz="2126" kern="1200">
+        <a:defRPr sz="2835" kern="1200">
           <a:solidFill>
             <a:schemeClr val="tx1"/>
           </a:solidFill>
@@ -2800,16 +2805,16 @@
           <a:cs typeface="+mn-cs"/>
         </a:defRPr>
       </a:lvl6pPr>
-      <a:lvl7pPr marL="3509993" indent="-269999" algn="l" defTabSz="1079998" rtl="0" eaLnBrk="1" latinLnBrk="1" hangingPunct="1">
+      <a:lvl7pPr marL="4679991" indent="-359999" algn="l" defTabSz="1439997" rtl="0" eaLnBrk="1" latinLnBrk="1" hangingPunct="1">
         <a:lnSpc>
           <a:spcPct val="90000"/>
         </a:lnSpc>
         <a:spcBef>
-          <a:spcPts val="591"/>
+          <a:spcPts val="787"/>
         </a:spcBef>
         <a:buFont typeface="Arial" panose="020B0604020202020204" pitchFamily="34" charset="0"/>
         <a:buChar char="•"/>
-        <a:defRPr sz="2126" kern="1200">
+        <a:defRPr sz="2835" kern="1200">
           <a:solidFill>
             <a:schemeClr val="tx1"/>
           </a:solidFill>
@@ -2818,16 +2823,16 @@
           <a:cs typeface="+mn-cs"/>
         </a:defRPr>
       </a:lvl7pPr>
-      <a:lvl8pPr marL="4049992" indent="-269999" algn="l" defTabSz="1079998" rtl="0" eaLnBrk="1" latinLnBrk="1" hangingPunct="1">
+      <a:lvl8pPr marL="5399989" indent="-359999" algn="l" defTabSz="1439997" rtl="0" eaLnBrk="1" latinLnBrk="1" hangingPunct="1">
         <a:lnSpc>
           <a:spcPct val="90000"/>
         </a:lnSpc>
         <a:spcBef>
-          <a:spcPts val="591"/>
+          <a:spcPts val="787"/>
         </a:spcBef>
         <a:buFont typeface="Arial" panose="020B0604020202020204" pitchFamily="34" charset="0"/>
         <a:buChar char="•"/>
-        <a:defRPr sz="2126" kern="1200">
+        <a:defRPr sz="2835" kern="1200">
           <a:solidFill>
             <a:schemeClr val="tx1"/>
           </a:solidFill>
@@ -2836,16 +2841,16 @@
           <a:cs typeface="+mn-cs"/>
         </a:defRPr>
       </a:lvl8pPr>
-      <a:lvl9pPr marL="4589991" indent="-269999" algn="l" defTabSz="1079998" rtl="0" eaLnBrk="1" latinLnBrk="1" hangingPunct="1">
+      <a:lvl9pPr marL="6119988" indent="-359999" algn="l" defTabSz="1439997" rtl="0" eaLnBrk="1" latinLnBrk="1" hangingPunct="1">
         <a:lnSpc>
           <a:spcPct val="90000"/>
         </a:lnSpc>
         <a:spcBef>
-          <a:spcPts val="591"/>
+          <a:spcPts val="787"/>
         </a:spcBef>
         <a:buFont typeface="Arial" panose="020B0604020202020204" pitchFamily="34" charset="0"/>
         <a:buChar char="•"/>
-        <a:defRPr sz="2126" kern="1200">
+        <a:defRPr sz="2835" kern="1200">
           <a:solidFill>
             <a:schemeClr val="tx1"/>
           </a:solidFill>
@@ -2859,8 +2864,8 @@
       <a:defPPr>
         <a:defRPr lang="en-US"/>
       </a:defPPr>
-      <a:lvl1pPr marL="0" algn="l" defTabSz="1079998" rtl="0" eaLnBrk="1" latinLnBrk="1" hangingPunct="1">
-        <a:defRPr sz="2126" kern="1200">
+      <a:lvl1pPr marL="0" algn="l" defTabSz="1439997" rtl="0" eaLnBrk="1" latinLnBrk="1" hangingPunct="1">
+        <a:defRPr sz="2835" kern="1200">
           <a:solidFill>
             <a:schemeClr val="tx1"/>
           </a:solidFill>
@@ -2869,8 +2874,8 @@
           <a:cs typeface="+mn-cs"/>
         </a:defRPr>
       </a:lvl1pPr>
-      <a:lvl2pPr marL="539999" algn="l" defTabSz="1079998" rtl="0" eaLnBrk="1" latinLnBrk="1" hangingPunct="1">
-        <a:defRPr sz="2126" kern="1200">
+      <a:lvl2pPr marL="719999" algn="l" defTabSz="1439997" rtl="0" eaLnBrk="1" latinLnBrk="1" hangingPunct="1">
+        <a:defRPr sz="2835" kern="1200">
           <a:solidFill>
             <a:schemeClr val="tx1"/>
           </a:solidFill>
@@ -2879,8 +2884,8 @@
           <a:cs typeface="+mn-cs"/>
         </a:defRPr>
       </a:lvl2pPr>
-      <a:lvl3pPr marL="1079998" algn="l" defTabSz="1079998" rtl="0" eaLnBrk="1" latinLnBrk="1" hangingPunct="1">
-        <a:defRPr sz="2126" kern="1200">
+      <a:lvl3pPr marL="1439997" algn="l" defTabSz="1439997" rtl="0" eaLnBrk="1" latinLnBrk="1" hangingPunct="1">
+        <a:defRPr sz="2835" kern="1200">
           <a:solidFill>
             <a:schemeClr val="tx1"/>
           </a:solidFill>
@@ -2889,8 +2894,8 @@
           <a:cs typeface="+mn-cs"/>
         </a:defRPr>
       </a:lvl3pPr>
-      <a:lvl4pPr marL="1619997" algn="l" defTabSz="1079998" rtl="0" eaLnBrk="1" latinLnBrk="1" hangingPunct="1">
-        <a:defRPr sz="2126" kern="1200">
+      <a:lvl4pPr marL="2159996" algn="l" defTabSz="1439997" rtl="0" eaLnBrk="1" latinLnBrk="1" hangingPunct="1">
+        <a:defRPr sz="2835" kern="1200">
           <a:solidFill>
             <a:schemeClr val="tx1"/>
           </a:solidFill>
@@ -2899,8 +2904,8 @@
           <a:cs typeface="+mn-cs"/>
         </a:defRPr>
       </a:lvl4pPr>
-      <a:lvl5pPr marL="2159996" algn="l" defTabSz="1079998" rtl="0" eaLnBrk="1" latinLnBrk="1" hangingPunct="1">
-        <a:defRPr sz="2126" kern="1200">
+      <a:lvl5pPr marL="2879994" algn="l" defTabSz="1439997" rtl="0" eaLnBrk="1" latinLnBrk="1" hangingPunct="1">
+        <a:defRPr sz="2835" kern="1200">
           <a:solidFill>
             <a:schemeClr val="tx1"/>
           </a:solidFill>
@@ -2909,8 +2914,8 @@
           <a:cs typeface="+mn-cs"/>
         </a:defRPr>
       </a:lvl5pPr>
-      <a:lvl6pPr marL="2699995" algn="l" defTabSz="1079998" rtl="0" eaLnBrk="1" latinLnBrk="1" hangingPunct="1">
-        <a:defRPr sz="2126" kern="1200">
+      <a:lvl6pPr marL="3599993" algn="l" defTabSz="1439997" rtl="0" eaLnBrk="1" latinLnBrk="1" hangingPunct="1">
+        <a:defRPr sz="2835" kern="1200">
           <a:solidFill>
             <a:schemeClr val="tx1"/>
           </a:solidFill>
@@ -2919,8 +2924,8 @@
           <a:cs typeface="+mn-cs"/>
         </a:defRPr>
       </a:lvl6pPr>
-      <a:lvl7pPr marL="3239994" algn="l" defTabSz="1079998" rtl="0" eaLnBrk="1" latinLnBrk="1" hangingPunct="1">
-        <a:defRPr sz="2126" kern="1200">
+      <a:lvl7pPr marL="4319991" algn="l" defTabSz="1439997" rtl="0" eaLnBrk="1" latinLnBrk="1" hangingPunct="1">
+        <a:defRPr sz="2835" kern="1200">
           <a:solidFill>
             <a:schemeClr val="tx1"/>
           </a:solidFill>
@@ -2929,8 +2934,8 @@
           <a:cs typeface="+mn-cs"/>
         </a:defRPr>
       </a:lvl7pPr>
-      <a:lvl8pPr marL="3779992" algn="l" defTabSz="1079998" rtl="0" eaLnBrk="1" latinLnBrk="1" hangingPunct="1">
-        <a:defRPr sz="2126" kern="1200">
+      <a:lvl8pPr marL="5039990" algn="l" defTabSz="1439997" rtl="0" eaLnBrk="1" latinLnBrk="1" hangingPunct="1">
+        <a:defRPr sz="2835" kern="1200">
           <a:solidFill>
             <a:schemeClr val="tx1"/>
           </a:solidFill>
@@ -2939,8 +2944,8 @@
           <a:cs typeface="+mn-cs"/>
         </a:defRPr>
       </a:lvl8pPr>
-      <a:lvl9pPr marL="4319991" algn="l" defTabSz="1079998" rtl="0" eaLnBrk="1" latinLnBrk="1" hangingPunct="1">
-        <a:defRPr sz="2126" kern="1200">
+      <a:lvl9pPr marL="5759988" algn="l" defTabSz="1439997" rtl="0" eaLnBrk="1" latinLnBrk="1" hangingPunct="1">
+        <a:defRPr sz="2835" kern="1200">
           <a:solidFill>
             <a:schemeClr val="tx1"/>
           </a:solidFill>
@@ -2971,1368 +2976,1494 @@
           <a:chExt cx="0" cy="0"/>
         </a:xfrm>
       </p:grpSpPr>
+      <p:grpSp>
+        <p:nvGrpSpPr>
+          <p:cNvPr id="3" name="그룹 2"/>
+          <p:cNvGrpSpPr/>
+          <p:nvPr/>
+        </p:nvGrpSpPr>
+        <p:grpSpPr>
+          <a:xfrm>
+            <a:off x="1072854" y="147807"/>
+            <a:ext cx="11492772" cy="10651956"/>
+            <a:chOff x="310965" y="-1864985"/>
+            <a:chExt cx="13910474" cy="12892778"/>
+          </a:xfrm>
+        </p:grpSpPr>
+        <p:pic>
+          <p:nvPicPr>
+            <p:cNvPr id="1034" name="Picture 10" descr="Saleae Logic Analyzers"/>
+            <p:cNvPicPr>
+              <a:picLocks noChangeAspect="1" noChangeArrowheads="1"/>
+            </p:cNvPicPr>
+            <p:nvPr/>
+          </p:nvPicPr>
+          <p:blipFill rotWithShape="1">
+            <a:blip r:embed="rId2" cstate="print">
+              <a:extLst>
+                <a:ext uri="{BEBA8EAE-BF5A-486C-A8C5-ECC9F3942E4B}">
+                  <a14:imgProps xmlns:a14="http://schemas.microsoft.com/office/drawing/2010/main">
+                    <a14:imgLayer r:embed="rId3">
+                      <a14:imgEffect>
+                        <a14:backgroundRemoval t="10000" b="90000" l="10000" r="90000">
+                          <a14:foregroundMark x1="46000" y1="42800" x2="47150" y2="58000"/>
+                          <a14:foregroundMark x1="27650" y1="51000" x2="74100" y2="50600"/>
+                        </a14:backgroundRemoval>
+                      </a14:imgEffect>
+                    </a14:imgLayer>
+                  </a14:imgProps>
+                </a:ext>
+                <a:ext uri="{28A0092B-C50C-407E-A947-70E740481C1C}">
+                  <a14:useLocalDpi xmlns:a14="http://schemas.microsoft.com/office/drawing/2010/main" val="0"/>
+                </a:ext>
+              </a:extLst>
+            </a:blip>
+            <a:srcRect l="11621" t="11148" r="11035" b="12290"/>
+            <a:stretch/>
+          </p:blipFill>
+          <p:spPr bwMode="auto">
+            <a:xfrm>
+              <a:off x="4839608" y="-1864985"/>
+              <a:ext cx="4892936" cy="4843514"/>
+            </a:xfrm>
+            <a:prstGeom prst="rect">
+              <a:avLst/>
+            </a:prstGeom>
+            <a:noFill/>
+            <a:extLst>
+              <a:ext uri="{909E8E84-426E-40DD-AFC4-6F175D3DCCD1}">
+                <a14:hiddenFill xmlns:a14="http://schemas.microsoft.com/office/drawing/2010/main">
+                  <a:solidFill>
+                    <a:srgbClr val="FFFFFF"/>
+                  </a:solidFill>
+                </a14:hiddenFill>
+              </a:ext>
+            </a:extLst>
+          </p:spPr>
+        </p:pic>
+        <p:pic>
+          <p:nvPicPr>
+            <p:cNvPr id="6" name="Picture 2" descr="X-NUCLEO-IKS01A1 - Motion MEMS and Environmental Sensors | Mbed"/>
+            <p:cNvPicPr>
+              <a:picLocks noChangeAspect="1" noChangeArrowheads="1"/>
+            </p:cNvPicPr>
+            <p:nvPr/>
+          </p:nvPicPr>
+          <p:blipFill>
+            <a:blip r:embed="rId4">
+              <a:extLst>
+                <a:ext uri="{28A0092B-C50C-407E-A947-70E740481C1C}">
+                  <a14:useLocalDpi xmlns:a14="http://schemas.microsoft.com/office/drawing/2010/main" val="0"/>
+                </a:ext>
+              </a:extLst>
+            </a:blip>
+            <a:srcRect/>
+            <a:stretch>
+              <a:fillRect/>
+            </a:stretch>
+          </p:blipFill>
+          <p:spPr bwMode="auto">
+            <a:xfrm>
+              <a:off x="7093014" y="5109373"/>
+              <a:ext cx="7128425" cy="5346319"/>
+            </a:xfrm>
+            <a:prstGeom prst="rect">
+              <a:avLst/>
+            </a:prstGeom>
+            <a:noFill/>
+            <a:extLst>
+              <a:ext uri="{909E8E84-426E-40DD-AFC4-6F175D3DCCD1}">
+                <a14:hiddenFill xmlns:a14="http://schemas.microsoft.com/office/drawing/2010/main">
+                  <a:solidFill>
+                    <a:srgbClr val="FFFFFF"/>
+                  </a:solidFill>
+                </a14:hiddenFill>
+              </a:ext>
+            </a:extLst>
+          </p:spPr>
+        </p:pic>
+        <p:pic>
+          <p:nvPicPr>
+            <p:cNvPr id="1038" name="Picture 14" descr="Image 1"/>
+            <p:cNvPicPr>
+              <a:picLocks noChangeAspect="1" noChangeArrowheads="1"/>
+            </p:cNvPicPr>
+            <p:nvPr/>
+          </p:nvPicPr>
+          <p:blipFill>
+            <a:blip r:embed="rId5">
+              <a:extLst>
+                <a:ext uri="{28A0092B-C50C-407E-A947-70E740481C1C}">
+                  <a14:useLocalDpi xmlns:a14="http://schemas.microsoft.com/office/drawing/2010/main" val="0"/>
+                </a:ext>
+              </a:extLst>
+            </a:blip>
+            <a:srcRect/>
+            <a:stretch>
+              <a:fillRect/>
+            </a:stretch>
+          </p:blipFill>
+          <p:spPr bwMode="auto">
+            <a:xfrm>
+              <a:off x="310965" y="5109374"/>
+              <a:ext cx="6782049" cy="5918419"/>
+            </a:xfrm>
+            <a:prstGeom prst="rect">
+              <a:avLst/>
+            </a:prstGeom>
+            <a:noFill/>
+            <a:extLst>
+              <a:ext uri="{909E8E84-426E-40DD-AFC4-6F175D3DCCD1}">
+                <a14:hiddenFill xmlns:a14="http://schemas.microsoft.com/office/drawing/2010/main">
+                  <a:solidFill>
+                    <a:srgbClr val="FFFFFF"/>
+                  </a:solidFill>
+                </a14:hiddenFill>
+              </a:ext>
+            </a:extLst>
+          </p:spPr>
+        </p:pic>
+        <p:cxnSp>
+          <p:nvCxnSpPr>
+            <p:cNvPr id="14" name="꺾인 연결선 13"/>
+            <p:cNvCxnSpPr/>
+            <p:nvPr/>
+          </p:nvCxnSpPr>
+          <p:spPr>
+            <a:xfrm flipV="1">
+              <a:off x="2662018" y="7354271"/>
+              <a:ext cx="4734734" cy="375934"/>
+            </a:xfrm>
+            <a:prstGeom prst="bentConnector3">
+              <a:avLst>
+                <a:gd name="adj1" fmla="val 18187"/>
+              </a:avLst>
+            </a:prstGeom>
+            <a:ln w="57150">
+              <a:solidFill>
+                <a:srgbClr val="FF0000"/>
+              </a:solidFill>
+            </a:ln>
+          </p:spPr>
+          <p:style>
+            <a:lnRef idx="1">
+              <a:schemeClr val="accent1"/>
+            </a:lnRef>
+            <a:fillRef idx="0">
+              <a:schemeClr val="accent1"/>
+            </a:fillRef>
+            <a:effectRef idx="0">
+              <a:schemeClr val="accent1"/>
+            </a:effectRef>
+            <a:fontRef idx="minor">
+              <a:schemeClr val="tx1"/>
+            </a:fontRef>
+          </p:style>
+        </p:cxnSp>
+        <p:sp>
+          <p:nvSpPr>
+            <p:cNvPr id="24" name="모서리가 둥근 직사각형 23"/>
+            <p:cNvSpPr/>
+            <p:nvPr/>
+          </p:nvSpPr>
+          <p:spPr>
+            <a:xfrm>
+              <a:off x="1574858" y="7650448"/>
+              <a:ext cx="1087160" cy="264170"/>
+            </a:xfrm>
+            <a:prstGeom prst="roundRect">
+              <a:avLst/>
+            </a:prstGeom>
+            <a:noFill/>
+            <a:ln w="57150" cap="flat" cmpd="sng" algn="ctr">
+              <a:solidFill>
+                <a:srgbClr val="FF0000"/>
+              </a:solidFill>
+              <a:prstDash val="solid"/>
+              <a:round/>
+              <a:headEnd type="none" w="med" len="med"/>
+              <a:tailEnd type="none" w="med" len="med"/>
+            </a:ln>
+          </p:spPr>
+          <p:style>
+            <a:lnRef idx="0">
+              <a:scrgbClr r="0" g="0" b="0"/>
+            </a:lnRef>
+            <a:fillRef idx="0">
+              <a:scrgbClr r="0" g="0" b="0"/>
+            </a:fillRef>
+            <a:effectRef idx="0">
+              <a:scrgbClr r="0" g="0" b="0"/>
+            </a:effectRef>
+            <a:fontRef idx="minor">
+              <a:schemeClr val="accent2"/>
+            </a:fontRef>
+          </p:style>
+          <p:txBody>
+            <a:bodyPr rtlCol="0" anchor="ctr"/>
+            <a:lstStyle/>
+            <a:p>
+              <a:pPr algn="ctr"/>
+              <a:endParaRPr lang="ko-KR" altLang="en-US" sz="2400"/>
+            </a:p>
+          </p:txBody>
+        </p:sp>
+        <p:sp>
+          <p:nvSpPr>
+            <p:cNvPr id="28" name="모서리가 둥근 직사각형 27"/>
+            <p:cNvSpPr/>
+            <p:nvPr/>
+          </p:nvSpPr>
+          <p:spPr>
+            <a:xfrm>
+              <a:off x="7396752" y="7195260"/>
+              <a:ext cx="1969464" cy="264170"/>
+            </a:xfrm>
+            <a:prstGeom prst="roundRect">
+              <a:avLst/>
+            </a:prstGeom>
+            <a:noFill/>
+            <a:ln w="57150" cap="flat" cmpd="sng" algn="ctr">
+              <a:solidFill>
+                <a:srgbClr val="FF0000"/>
+              </a:solidFill>
+              <a:prstDash val="solid"/>
+              <a:round/>
+              <a:headEnd type="none" w="med" len="med"/>
+              <a:tailEnd type="none" w="med" len="med"/>
+            </a:ln>
+          </p:spPr>
+          <p:style>
+            <a:lnRef idx="0">
+              <a:scrgbClr r="0" g="0" b="0"/>
+            </a:lnRef>
+            <a:fillRef idx="0">
+              <a:scrgbClr r="0" g="0" b="0"/>
+            </a:fillRef>
+            <a:effectRef idx="0">
+              <a:scrgbClr r="0" g="0" b="0"/>
+            </a:effectRef>
+            <a:fontRef idx="minor">
+              <a:schemeClr val="accent2"/>
+            </a:fontRef>
+          </p:style>
+          <p:txBody>
+            <a:bodyPr rtlCol="0" anchor="ctr"/>
+            <a:lstStyle/>
+            <a:p>
+              <a:pPr algn="ctr"/>
+              <a:endParaRPr lang="ko-KR" altLang="en-US" sz="2400"/>
+            </a:p>
+          </p:txBody>
+        </p:sp>
+        <p:cxnSp>
+          <p:nvCxnSpPr>
+            <p:cNvPr id="30" name="꺾인 연결선 29"/>
+            <p:cNvCxnSpPr>
+              <a:stCxn id="31" idx="3"/>
+            </p:cNvCxnSpPr>
+            <p:nvPr/>
+          </p:nvCxnSpPr>
+          <p:spPr>
+            <a:xfrm flipV="1">
+              <a:off x="2662018" y="7936803"/>
+              <a:ext cx="4734734" cy="474351"/>
+            </a:xfrm>
+            <a:prstGeom prst="bentConnector3">
+              <a:avLst>
+                <a:gd name="adj1" fmla="val 18348"/>
+              </a:avLst>
+            </a:prstGeom>
+            <a:ln w="57150">
+              <a:solidFill>
+                <a:schemeClr val="tx1"/>
+              </a:solidFill>
+            </a:ln>
+          </p:spPr>
+          <p:style>
+            <a:lnRef idx="1">
+              <a:schemeClr val="accent1"/>
+            </a:lnRef>
+            <a:fillRef idx="0">
+              <a:schemeClr val="accent1"/>
+            </a:fillRef>
+            <a:effectRef idx="0">
+              <a:schemeClr val="accent1"/>
+            </a:effectRef>
+            <a:fontRef idx="minor">
+              <a:schemeClr val="tx1"/>
+            </a:fontRef>
+          </p:style>
+        </p:cxnSp>
+        <p:sp>
+          <p:nvSpPr>
+            <p:cNvPr id="31" name="모서리가 둥근 직사각형 30"/>
+            <p:cNvSpPr/>
+            <p:nvPr/>
+          </p:nvSpPr>
+          <p:spPr>
+            <a:xfrm>
+              <a:off x="1574858" y="8309755"/>
+              <a:ext cx="1087160" cy="202799"/>
+            </a:xfrm>
+            <a:prstGeom prst="roundRect">
+              <a:avLst/>
+            </a:prstGeom>
+            <a:noFill/>
+            <a:ln w="57150" cap="flat" cmpd="sng" algn="ctr">
+              <a:solidFill>
+                <a:schemeClr val="tx1"/>
+              </a:solidFill>
+              <a:prstDash val="solid"/>
+              <a:round/>
+              <a:headEnd type="none" w="med" len="med"/>
+              <a:tailEnd type="none" w="med" len="med"/>
+            </a:ln>
+          </p:spPr>
+          <p:style>
+            <a:lnRef idx="0">
+              <a:scrgbClr r="0" g="0" b="0"/>
+            </a:lnRef>
+            <a:fillRef idx="0">
+              <a:scrgbClr r="0" g="0" b="0"/>
+            </a:fillRef>
+            <a:effectRef idx="0">
+              <a:scrgbClr r="0" g="0" b="0"/>
+            </a:effectRef>
+            <a:fontRef idx="minor">
+              <a:schemeClr val="accent2"/>
+            </a:fontRef>
+          </p:style>
+          <p:txBody>
+            <a:bodyPr rtlCol="0" anchor="ctr"/>
+            <a:lstStyle/>
+            <a:p>
+              <a:pPr algn="ctr"/>
+              <a:endParaRPr lang="ko-KR" altLang="en-US" sz="2400"/>
+            </a:p>
+          </p:txBody>
+        </p:sp>
+        <p:sp>
+          <p:nvSpPr>
+            <p:cNvPr id="32" name="모서리가 둥근 직사각형 31"/>
+            <p:cNvSpPr/>
+            <p:nvPr/>
+          </p:nvSpPr>
+          <p:spPr>
+            <a:xfrm>
+              <a:off x="7396752" y="7777788"/>
+              <a:ext cx="1969464" cy="264170"/>
+            </a:xfrm>
+            <a:prstGeom prst="roundRect">
+              <a:avLst/>
+            </a:prstGeom>
+            <a:noFill/>
+            <a:ln w="57150" cap="flat" cmpd="sng" algn="ctr">
+              <a:solidFill>
+                <a:schemeClr val="tx1"/>
+              </a:solidFill>
+              <a:prstDash val="solid"/>
+              <a:round/>
+              <a:headEnd type="none" w="med" len="med"/>
+              <a:tailEnd type="none" w="med" len="med"/>
+            </a:ln>
+          </p:spPr>
+          <p:style>
+            <a:lnRef idx="0">
+              <a:scrgbClr r="0" g="0" b="0"/>
+            </a:lnRef>
+            <a:fillRef idx="0">
+              <a:scrgbClr r="0" g="0" b="0"/>
+            </a:fillRef>
+            <a:effectRef idx="0">
+              <a:scrgbClr r="0" g="0" b="0"/>
+            </a:effectRef>
+            <a:fontRef idx="minor">
+              <a:schemeClr val="accent2"/>
+            </a:fontRef>
+          </p:style>
+          <p:txBody>
+            <a:bodyPr rtlCol="0" anchor="ctr"/>
+            <a:lstStyle/>
+            <a:p>
+              <a:pPr algn="ctr"/>
+              <a:endParaRPr lang="ko-KR" altLang="en-US" sz="2400"/>
+            </a:p>
+          </p:txBody>
+        </p:sp>
+        <p:cxnSp>
+          <p:nvCxnSpPr>
+            <p:cNvPr id="35" name="꺾인 연결선 34"/>
+            <p:cNvCxnSpPr>
+              <a:stCxn id="36" idx="3"/>
+              <a:endCxn id="37" idx="1"/>
+            </p:cNvCxnSpPr>
+            <p:nvPr/>
+          </p:nvCxnSpPr>
+          <p:spPr>
+            <a:xfrm flipV="1">
+              <a:off x="5258379" y="6670986"/>
+              <a:ext cx="6744817" cy="3180378"/>
+            </a:xfrm>
+            <a:prstGeom prst="bentConnector3">
+              <a:avLst>
+                <a:gd name="adj1" fmla="val 63407"/>
+              </a:avLst>
+            </a:prstGeom>
+            <a:ln w="57150">
+              <a:solidFill>
+                <a:srgbClr val="7030A0"/>
+              </a:solidFill>
+            </a:ln>
+          </p:spPr>
+          <p:style>
+            <a:lnRef idx="1">
+              <a:schemeClr val="accent1"/>
+            </a:lnRef>
+            <a:fillRef idx="0">
+              <a:schemeClr val="accent1"/>
+            </a:fillRef>
+            <a:effectRef idx="0">
+              <a:schemeClr val="accent1"/>
+            </a:effectRef>
+            <a:fontRef idx="minor">
+              <a:schemeClr val="tx1"/>
+            </a:fontRef>
+          </p:style>
+        </p:cxnSp>
+        <p:sp>
+          <p:nvSpPr>
+            <p:cNvPr id="36" name="모서리가 둥근 직사각형 35"/>
+            <p:cNvSpPr/>
+            <p:nvPr/>
+          </p:nvSpPr>
+          <p:spPr>
+            <a:xfrm>
+              <a:off x="4171219" y="9719280"/>
+              <a:ext cx="1087160" cy="264170"/>
+            </a:xfrm>
+            <a:prstGeom prst="roundRect">
+              <a:avLst/>
+            </a:prstGeom>
+            <a:noFill/>
+            <a:ln w="57150" cap="flat" cmpd="sng" algn="ctr">
+              <a:solidFill>
+                <a:srgbClr val="7030A0"/>
+              </a:solidFill>
+              <a:prstDash val="solid"/>
+              <a:round/>
+              <a:headEnd type="none" w="med" len="med"/>
+              <a:tailEnd type="none" w="med" len="med"/>
+            </a:ln>
+          </p:spPr>
+          <p:style>
+            <a:lnRef idx="0">
+              <a:scrgbClr r="0" g="0" b="0"/>
+            </a:lnRef>
+            <a:fillRef idx="0">
+              <a:scrgbClr r="0" g="0" b="0"/>
+            </a:fillRef>
+            <a:effectRef idx="0">
+              <a:scrgbClr r="0" g="0" b="0"/>
+            </a:effectRef>
+            <a:fontRef idx="minor">
+              <a:schemeClr val="accent2"/>
+            </a:fontRef>
+          </p:style>
+          <p:txBody>
+            <a:bodyPr rtlCol="0" anchor="ctr"/>
+            <a:lstStyle/>
+            <a:p>
+              <a:pPr algn="ctr"/>
+              <a:endParaRPr lang="ko-KR" altLang="en-US" sz="2400"/>
+            </a:p>
+          </p:txBody>
+        </p:sp>
+        <p:sp>
+          <p:nvSpPr>
+            <p:cNvPr id="37" name="모서리가 둥근 직사각형 36"/>
+            <p:cNvSpPr/>
+            <p:nvPr/>
+          </p:nvSpPr>
+          <p:spPr>
+            <a:xfrm>
+              <a:off x="12003196" y="6556682"/>
+              <a:ext cx="1969464" cy="228608"/>
+            </a:xfrm>
+            <a:prstGeom prst="roundRect">
+              <a:avLst/>
+            </a:prstGeom>
+            <a:noFill/>
+            <a:ln w="57150" cap="flat" cmpd="sng" algn="ctr">
+              <a:solidFill>
+                <a:srgbClr val="7030A0"/>
+              </a:solidFill>
+              <a:prstDash val="solid"/>
+              <a:round/>
+              <a:headEnd type="none" w="med" len="med"/>
+              <a:tailEnd type="none" w="med" len="med"/>
+            </a:ln>
+          </p:spPr>
+          <p:style>
+            <a:lnRef idx="0">
+              <a:scrgbClr r="0" g="0" b="0"/>
+            </a:lnRef>
+            <a:fillRef idx="0">
+              <a:scrgbClr r="0" g="0" b="0"/>
+            </a:fillRef>
+            <a:effectRef idx="0">
+              <a:scrgbClr r="0" g="0" b="0"/>
+            </a:effectRef>
+            <a:fontRef idx="minor">
+              <a:schemeClr val="accent2"/>
+            </a:fontRef>
+          </p:style>
+          <p:txBody>
+            <a:bodyPr rtlCol="0" anchor="ctr"/>
+            <a:lstStyle/>
+            <a:p>
+              <a:pPr algn="ctr"/>
+              <a:endParaRPr lang="ko-KR" altLang="en-US" sz="2400"/>
+            </a:p>
+          </p:txBody>
+        </p:sp>
+        <p:cxnSp>
+          <p:nvCxnSpPr>
+            <p:cNvPr id="38" name="꺾인 연결선 37"/>
+            <p:cNvCxnSpPr>
+              <a:stCxn id="1038" idx="0"/>
+            </p:cNvCxnSpPr>
+            <p:nvPr/>
+          </p:nvCxnSpPr>
+          <p:spPr>
+            <a:xfrm rot="5400000" flipH="1" flipV="1">
+              <a:off x="3863363" y="2867985"/>
+              <a:ext cx="2080016" cy="2402760"/>
+            </a:xfrm>
+            <a:prstGeom prst="bentConnector2">
+              <a:avLst/>
+            </a:prstGeom>
+            <a:ln w="57150">
+              <a:solidFill>
+                <a:schemeClr val="accent2">
+                  <a:lumMod val="50000"/>
+                </a:schemeClr>
+              </a:solidFill>
+            </a:ln>
+          </p:spPr>
+          <p:style>
+            <a:lnRef idx="1">
+              <a:schemeClr val="accent1"/>
+            </a:lnRef>
+            <a:fillRef idx="0">
+              <a:schemeClr val="accent1"/>
+            </a:fillRef>
+            <a:effectRef idx="0">
+              <a:schemeClr val="accent1"/>
+            </a:effectRef>
+            <a:fontRef idx="minor">
+              <a:schemeClr val="tx1"/>
+            </a:fontRef>
+          </p:style>
+        </p:cxnSp>
+        <p:sp>
+          <p:nvSpPr>
+            <p:cNvPr id="39" name="모서리가 둥근 직사각형 38"/>
+            <p:cNvSpPr/>
+            <p:nvPr/>
+          </p:nvSpPr>
+          <p:spPr>
+            <a:xfrm>
+              <a:off x="1574858" y="8512553"/>
+              <a:ext cx="1087160" cy="220380"/>
+            </a:xfrm>
+            <a:prstGeom prst="roundRect">
+              <a:avLst/>
+            </a:prstGeom>
+            <a:noFill/>
+            <a:ln w="57150" cap="flat" cmpd="sng" algn="ctr">
+              <a:solidFill>
+                <a:schemeClr val="accent2">
+                  <a:lumMod val="50000"/>
+                </a:schemeClr>
+              </a:solidFill>
+              <a:prstDash val="solid"/>
+              <a:round/>
+              <a:headEnd type="none" w="med" len="med"/>
+              <a:tailEnd type="none" w="med" len="med"/>
+            </a:ln>
+          </p:spPr>
+          <p:style>
+            <a:lnRef idx="0">
+              <a:scrgbClr r="0" g="0" b="0"/>
+            </a:lnRef>
+            <a:fillRef idx="0">
+              <a:scrgbClr r="0" g="0" b="0"/>
+            </a:fillRef>
+            <a:effectRef idx="0">
+              <a:scrgbClr r="0" g="0" b="0"/>
+            </a:effectRef>
+            <a:fontRef idx="minor">
+              <a:schemeClr val="accent2"/>
+            </a:fontRef>
+          </p:style>
+          <p:txBody>
+            <a:bodyPr rtlCol="0" anchor="ctr"/>
+            <a:lstStyle/>
+            <a:p>
+              <a:pPr algn="ctr"/>
+              <a:endParaRPr lang="ko-KR" altLang="en-US" sz="2400"/>
+            </a:p>
+          </p:txBody>
+        </p:sp>
+        <p:sp>
+          <p:nvSpPr>
+            <p:cNvPr id="50" name="모서리가 둥근 직사각형 49"/>
+            <p:cNvSpPr/>
+            <p:nvPr/>
+          </p:nvSpPr>
+          <p:spPr>
+            <a:xfrm rot="5400000">
+              <a:off x="6074271" y="2831953"/>
+              <a:ext cx="60961" cy="264170"/>
+            </a:xfrm>
+            <a:prstGeom prst="roundRect">
+              <a:avLst/>
+            </a:prstGeom>
+            <a:noFill/>
+            <a:ln w="57150" cap="flat" cmpd="sng" algn="ctr">
+              <a:solidFill>
+                <a:schemeClr val="tx1"/>
+              </a:solidFill>
+              <a:prstDash val="solid"/>
+              <a:round/>
+              <a:headEnd type="none" w="med" len="med"/>
+              <a:tailEnd type="none" w="med" len="med"/>
+            </a:ln>
+          </p:spPr>
+          <p:style>
+            <a:lnRef idx="0">
+              <a:scrgbClr r="0" g="0" b="0"/>
+            </a:lnRef>
+            <a:fillRef idx="0">
+              <a:scrgbClr r="0" g="0" b="0"/>
+            </a:fillRef>
+            <a:effectRef idx="0">
+              <a:scrgbClr r="0" g="0" b="0"/>
+            </a:effectRef>
+            <a:fontRef idx="minor">
+              <a:schemeClr val="accent2"/>
+            </a:fontRef>
+          </p:style>
+          <p:txBody>
+            <a:bodyPr rtlCol="0" anchor="ctr"/>
+            <a:lstStyle/>
+            <a:p>
+              <a:pPr algn="ctr"/>
+              <a:endParaRPr lang="ko-KR" altLang="en-US" sz="2400"/>
+            </a:p>
+          </p:txBody>
+        </p:sp>
+        <p:sp>
+          <p:nvSpPr>
+            <p:cNvPr id="51" name="모서리가 둥근 직사각형 50"/>
+            <p:cNvSpPr/>
+            <p:nvPr/>
+          </p:nvSpPr>
+          <p:spPr>
+            <a:xfrm rot="5400000">
+              <a:off x="6402125" y="2835881"/>
+              <a:ext cx="60961" cy="264170"/>
+            </a:xfrm>
+            <a:prstGeom prst="roundRect">
+              <a:avLst/>
+            </a:prstGeom>
+            <a:noFill/>
+            <a:ln w="57150" cap="flat" cmpd="sng" algn="ctr">
+              <a:solidFill>
+                <a:schemeClr val="tx1"/>
+              </a:solidFill>
+              <a:prstDash val="solid"/>
+              <a:round/>
+              <a:headEnd type="none" w="med" len="med"/>
+              <a:tailEnd type="none" w="med" len="med"/>
+            </a:ln>
+          </p:spPr>
+          <p:style>
+            <a:lnRef idx="0">
+              <a:scrgbClr r="0" g="0" b="0"/>
+            </a:lnRef>
+            <a:fillRef idx="0">
+              <a:scrgbClr r="0" g="0" b="0"/>
+            </a:fillRef>
+            <a:effectRef idx="0">
+              <a:scrgbClr r="0" g="0" b="0"/>
+            </a:effectRef>
+            <a:fontRef idx="minor">
+              <a:schemeClr val="accent2"/>
+            </a:fontRef>
+          </p:style>
+          <p:txBody>
+            <a:bodyPr rtlCol="0" anchor="ctr"/>
+            <a:lstStyle/>
+            <a:p>
+              <a:pPr algn="ctr"/>
+              <a:endParaRPr lang="ko-KR" altLang="en-US" sz="2400"/>
+            </a:p>
+          </p:txBody>
+        </p:sp>
+        <p:sp>
+          <p:nvSpPr>
+            <p:cNvPr id="52" name="모서리가 둥근 직사각형 51"/>
+            <p:cNvSpPr/>
+            <p:nvPr/>
+          </p:nvSpPr>
+          <p:spPr>
+            <a:xfrm rot="5400000">
+              <a:off x="6737419" y="2835880"/>
+              <a:ext cx="60961" cy="264170"/>
+            </a:xfrm>
+            <a:prstGeom prst="roundRect">
+              <a:avLst/>
+            </a:prstGeom>
+            <a:noFill/>
+            <a:ln w="57150" cap="flat" cmpd="sng" algn="ctr">
+              <a:solidFill>
+                <a:schemeClr val="tx1"/>
+              </a:solidFill>
+              <a:prstDash val="solid"/>
+              <a:round/>
+              <a:headEnd type="none" w="med" len="med"/>
+              <a:tailEnd type="none" w="med" len="med"/>
+            </a:ln>
+          </p:spPr>
+          <p:style>
+            <a:lnRef idx="0">
+              <a:scrgbClr r="0" g="0" b="0"/>
+            </a:lnRef>
+            <a:fillRef idx="0">
+              <a:scrgbClr r="0" g="0" b="0"/>
+            </a:fillRef>
+            <a:effectRef idx="0">
+              <a:scrgbClr r="0" g="0" b="0"/>
+            </a:effectRef>
+            <a:fontRef idx="minor">
+              <a:schemeClr val="accent2"/>
+            </a:fontRef>
+          </p:style>
+          <p:txBody>
+            <a:bodyPr rtlCol="0" anchor="ctr"/>
+            <a:lstStyle/>
+            <a:p>
+              <a:pPr algn="ctr"/>
+              <a:endParaRPr lang="ko-KR" altLang="en-US" sz="2400"/>
+            </a:p>
+          </p:txBody>
+        </p:sp>
+        <p:sp>
+          <p:nvSpPr>
+            <p:cNvPr id="53" name="모서리가 둥근 직사각형 52"/>
+            <p:cNvSpPr/>
+            <p:nvPr/>
+          </p:nvSpPr>
+          <p:spPr>
+            <a:xfrm rot="5400000">
+              <a:off x="7072711" y="2831952"/>
+              <a:ext cx="60961" cy="264170"/>
+            </a:xfrm>
+            <a:prstGeom prst="roundRect">
+              <a:avLst/>
+            </a:prstGeom>
+            <a:noFill/>
+            <a:ln w="57150" cap="flat" cmpd="sng" algn="ctr">
+              <a:solidFill>
+                <a:schemeClr val="tx1"/>
+              </a:solidFill>
+              <a:prstDash val="solid"/>
+              <a:round/>
+              <a:headEnd type="none" w="med" len="med"/>
+              <a:tailEnd type="none" w="med" len="med"/>
+            </a:ln>
+          </p:spPr>
+          <p:style>
+            <a:lnRef idx="0">
+              <a:scrgbClr r="0" g="0" b="0"/>
+            </a:lnRef>
+            <a:fillRef idx="0">
+              <a:scrgbClr r="0" g="0" b="0"/>
+            </a:fillRef>
+            <a:effectRef idx="0">
+              <a:scrgbClr r="0" g="0" b="0"/>
+            </a:effectRef>
+            <a:fontRef idx="minor">
+              <a:schemeClr val="accent2"/>
+            </a:fontRef>
+          </p:style>
+          <p:txBody>
+            <a:bodyPr rtlCol="0" anchor="ctr"/>
+            <a:lstStyle/>
+            <a:p>
+              <a:pPr algn="ctr"/>
+              <a:endParaRPr lang="ko-KR" altLang="en-US" sz="2400"/>
+            </a:p>
+          </p:txBody>
+        </p:sp>
+        <p:cxnSp>
+          <p:nvCxnSpPr>
+            <p:cNvPr id="55" name="꺾인 연결선 54"/>
+            <p:cNvCxnSpPr>
+              <a:endCxn id="1038" idx="0"/>
+            </p:cNvCxnSpPr>
+            <p:nvPr/>
+          </p:nvCxnSpPr>
+          <p:spPr>
+            <a:xfrm rot="5400000" flipH="1" flipV="1">
+              <a:off x="1416734" y="6354659"/>
+              <a:ext cx="3530542" cy="1039972"/>
+            </a:xfrm>
+            <a:prstGeom prst="bentConnector3">
+              <a:avLst>
+                <a:gd name="adj1" fmla="val 355"/>
+              </a:avLst>
+            </a:prstGeom>
+            <a:ln w="57150">
+              <a:solidFill>
+                <a:schemeClr val="accent2">
+                  <a:lumMod val="50000"/>
+                </a:schemeClr>
+              </a:solidFill>
+            </a:ln>
+          </p:spPr>
+          <p:style>
+            <a:lnRef idx="1">
+              <a:schemeClr val="accent1"/>
+            </a:lnRef>
+            <a:fillRef idx="0">
+              <a:schemeClr val="accent1"/>
+            </a:fillRef>
+            <a:effectRef idx="0">
+              <a:schemeClr val="accent1"/>
+            </a:effectRef>
+            <a:fontRef idx="minor">
+              <a:schemeClr val="tx1"/>
+            </a:fontRef>
+          </p:style>
+        </p:cxnSp>
+        <p:cxnSp>
+          <p:nvCxnSpPr>
+            <p:cNvPr id="71" name="꺾인 연결선 70"/>
+            <p:cNvCxnSpPr>
+              <a:stCxn id="72" idx="3"/>
+              <a:endCxn id="73" idx="1"/>
+            </p:cNvCxnSpPr>
+            <p:nvPr/>
+          </p:nvCxnSpPr>
+          <p:spPr>
+            <a:xfrm flipV="1">
+              <a:off x="5258379" y="6865138"/>
+              <a:ext cx="6782049" cy="1660398"/>
+            </a:xfrm>
+            <a:prstGeom prst="bentConnector3">
+              <a:avLst>
+                <a:gd name="adj1" fmla="val 50000"/>
+              </a:avLst>
+            </a:prstGeom>
+            <a:ln w="57150">
+              <a:solidFill>
+                <a:schemeClr val="accent5"/>
+              </a:solidFill>
+            </a:ln>
+          </p:spPr>
+          <p:style>
+            <a:lnRef idx="1">
+              <a:schemeClr val="accent1"/>
+            </a:lnRef>
+            <a:fillRef idx="0">
+              <a:schemeClr val="accent1"/>
+            </a:fillRef>
+            <a:effectRef idx="0">
+              <a:schemeClr val="accent1"/>
+            </a:effectRef>
+            <a:fontRef idx="minor">
+              <a:schemeClr val="tx1"/>
+            </a:fontRef>
+          </p:style>
+        </p:cxnSp>
+        <p:sp>
+          <p:nvSpPr>
+            <p:cNvPr id="72" name="모서리가 둥근 직사각형 71"/>
+            <p:cNvSpPr/>
+            <p:nvPr/>
+          </p:nvSpPr>
+          <p:spPr>
+            <a:xfrm>
+              <a:off x="4171219" y="8411155"/>
+              <a:ext cx="1087160" cy="228762"/>
+            </a:xfrm>
+            <a:prstGeom prst="roundRect">
+              <a:avLst/>
+            </a:prstGeom>
+            <a:noFill/>
+            <a:ln w="57150" cap="flat" cmpd="sng" algn="ctr">
+              <a:solidFill>
+                <a:schemeClr val="accent5"/>
+              </a:solidFill>
+              <a:prstDash val="solid"/>
+              <a:round/>
+              <a:headEnd type="none" w="med" len="med"/>
+              <a:tailEnd type="none" w="med" len="med"/>
+            </a:ln>
+          </p:spPr>
+          <p:style>
+            <a:lnRef idx="0">
+              <a:scrgbClr r="0" g="0" b="0"/>
+            </a:lnRef>
+            <a:fillRef idx="0">
+              <a:scrgbClr r="0" g="0" b="0"/>
+            </a:fillRef>
+            <a:effectRef idx="0">
+              <a:scrgbClr r="0" g="0" b="0"/>
+            </a:effectRef>
+            <a:fontRef idx="minor">
+              <a:schemeClr val="accent2"/>
+            </a:fontRef>
+          </p:style>
+          <p:txBody>
+            <a:bodyPr rtlCol="0" anchor="ctr"/>
+            <a:lstStyle/>
+            <a:p>
+              <a:pPr algn="ctr"/>
+              <a:endParaRPr lang="ko-KR" altLang="en-US" sz="2400"/>
+            </a:p>
+          </p:txBody>
+        </p:sp>
+        <p:sp>
+          <p:nvSpPr>
+            <p:cNvPr id="73" name="모서리가 둥근 직사각형 72"/>
+            <p:cNvSpPr/>
+            <p:nvPr/>
+          </p:nvSpPr>
+          <p:spPr>
+            <a:xfrm>
+              <a:off x="12040428" y="6785290"/>
+              <a:ext cx="1969464" cy="159695"/>
+            </a:xfrm>
+            <a:prstGeom prst="roundRect">
+              <a:avLst/>
+            </a:prstGeom>
+            <a:noFill/>
+            <a:ln w="57150" cap="flat" cmpd="sng" algn="ctr">
+              <a:solidFill>
+                <a:schemeClr val="accent5"/>
+              </a:solidFill>
+              <a:prstDash val="solid"/>
+              <a:round/>
+              <a:headEnd type="none" w="med" len="med"/>
+              <a:tailEnd type="none" w="med" len="med"/>
+            </a:ln>
+          </p:spPr>
+          <p:style>
+            <a:lnRef idx="0">
+              <a:scrgbClr r="0" g="0" b="0"/>
+            </a:lnRef>
+            <a:fillRef idx="0">
+              <a:scrgbClr r="0" g="0" b="0"/>
+            </a:fillRef>
+            <a:effectRef idx="0">
+              <a:scrgbClr r="0" g="0" b="0"/>
+            </a:effectRef>
+            <a:fontRef idx="minor">
+              <a:schemeClr val="accent2"/>
+            </a:fontRef>
+          </p:style>
+          <p:txBody>
+            <a:bodyPr rtlCol="0" anchor="ctr"/>
+            <a:lstStyle/>
+            <a:p>
+              <a:pPr algn="ctr"/>
+              <a:endParaRPr lang="ko-KR" altLang="en-US" sz="2400"/>
+            </a:p>
+          </p:txBody>
+        </p:sp>
+        <p:sp>
+          <p:nvSpPr>
+            <p:cNvPr id="25" name="모서리가 둥근 직사각형 24"/>
+            <p:cNvSpPr/>
+            <p:nvPr/>
+          </p:nvSpPr>
+          <p:spPr>
+            <a:xfrm rot="5400000">
+              <a:off x="7408002" y="2833505"/>
+              <a:ext cx="60961" cy="264170"/>
+            </a:xfrm>
+            <a:prstGeom prst="roundRect">
+              <a:avLst/>
+            </a:prstGeom>
+            <a:noFill/>
+            <a:ln w="57150" cap="flat" cmpd="sng" algn="ctr">
+              <a:solidFill>
+                <a:schemeClr val="tx1"/>
+              </a:solidFill>
+              <a:prstDash val="solid"/>
+              <a:round/>
+              <a:headEnd type="none" w="med" len="med"/>
+              <a:tailEnd type="none" w="med" len="med"/>
+            </a:ln>
+          </p:spPr>
+          <p:style>
+            <a:lnRef idx="0">
+              <a:scrgbClr r="0" g="0" b="0"/>
+            </a:lnRef>
+            <a:fillRef idx="0">
+              <a:scrgbClr r="0" g="0" b="0"/>
+            </a:fillRef>
+            <a:effectRef idx="0">
+              <a:scrgbClr r="0" g="0" b="0"/>
+            </a:effectRef>
+            <a:fontRef idx="minor">
+              <a:schemeClr val="accent2"/>
+            </a:fontRef>
+          </p:style>
+          <p:txBody>
+            <a:bodyPr rtlCol="0" anchor="ctr"/>
+            <a:lstStyle/>
+            <a:p>
+              <a:pPr algn="ctr"/>
+              <a:endParaRPr lang="ko-KR" altLang="en-US" sz="2400"/>
+            </a:p>
+          </p:txBody>
+        </p:sp>
+        <p:sp>
+          <p:nvSpPr>
+            <p:cNvPr id="26" name="모서리가 둥근 직사각형 25"/>
+            <p:cNvSpPr/>
+            <p:nvPr/>
+          </p:nvSpPr>
+          <p:spPr>
+            <a:xfrm rot="5400000">
+              <a:off x="7735857" y="2837433"/>
+              <a:ext cx="60961" cy="264170"/>
+            </a:xfrm>
+            <a:prstGeom prst="roundRect">
+              <a:avLst/>
+            </a:prstGeom>
+            <a:noFill/>
+            <a:ln w="57150" cap="flat" cmpd="sng" algn="ctr">
+              <a:solidFill>
+                <a:schemeClr val="tx1"/>
+              </a:solidFill>
+              <a:prstDash val="solid"/>
+              <a:round/>
+              <a:headEnd type="none" w="med" len="med"/>
+              <a:tailEnd type="none" w="med" len="med"/>
+            </a:ln>
+          </p:spPr>
+          <p:style>
+            <a:lnRef idx="0">
+              <a:scrgbClr r="0" g="0" b="0"/>
+            </a:lnRef>
+            <a:fillRef idx="0">
+              <a:scrgbClr r="0" g="0" b="0"/>
+            </a:fillRef>
+            <a:effectRef idx="0">
+              <a:scrgbClr r="0" g="0" b="0"/>
+            </a:effectRef>
+            <a:fontRef idx="minor">
+              <a:schemeClr val="accent2"/>
+            </a:fontRef>
+          </p:style>
+          <p:txBody>
+            <a:bodyPr rtlCol="0" anchor="ctr"/>
+            <a:lstStyle/>
+            <a:p>
+              <a:pPr algn="ctr"/>
+              <a:endParaRPr lang="ko-KR" altLang="en-US" sz="2400"/>
+            </a:p>
+          </p:txBody>
+        </p:sp>
+        <p:sp>
+          <p:nvSpPr>
+            <p:cNvPr id="27" name="모서리가 둥근 직사각형 26"/>
+            <p:cNvSpPr/>
+            <p:nvPr/>
+          </p:nvSpPr>
+          <p:spPr>
+            <a:xfrm rot="5400000">
+              <a:off x="8071151" y="2837432"/>
+              <a:ext cx="60961" cy="264170"/>
+            </a:xfrm>
+            <a:prstGeom prst="roundRect">
+              <a:avLst/>
+            </a:prstGeom>
+            <a:noFill/>
+            <a:ln w="57150" cap="flat" cmpd="sng" algn="ctr">
+              <a:solidFill>
+                <a:schemeClr val="tx1"/>
+              </a:solidFill>
+              <a:prstDash val="solid"/>
+              <a:round/>
+              <a:headEnd type="none" w="med" len="med"/>
+              <a:tailEnd type="none" w="med" len="med"/>
+            </a:ln>
+          </p:spPr>
+          <p:style>
+            <a:lnRef idx="0">
+              <a:scrgbClr r="0" g="0" b="0"/>
+            </a:lnRef>
+            <a:fillRef idx="0">
+              <a:scrgbClr r="0" g="0" b="0"/>
+            </a:fillRef>
+            <a:effectRef idx="0">
+              <a:scrgbClr r="0" g="0" b="0"/>
+            </a:effectRef>
+            <a:fontRef idx="minor">
+              <a:schemeClr val="accent2"/>
+            </a:fontRef>
+          </p:style>
+          <p:txBody>
+            <a:bodyPr rtlCol="0" anchor="ctr"/>
+            <a:lstStyle/>
+            <a:p>
+              <a:pPr algn="ctr"/>
+              <a:endParaRPr lang="ko-KR" altLang="en-US" sz="2400"/>
+            </a:p>
+          </p:txBody>
+        </p:sp>
+        <p:sp>
+          <p:nvSpPr>
+            <p:cNvPr id="29" name="모서리가 둥근 직사각형 28"/>
+            <p:cNvSpPr/>
+            <p:nvPr/>
+          </p:nvSpPr>
+          <p:spPr>
+            <a:xfrm rot="5400000">
+              <a:off x="8406443" y="2833504"/>
+              <a:ext cx="60961" cy="264170"/>
+            </a:xfrm>
+            <a:prstGeom prst="roundRect">
+              <a:avLst/>
+            </a:prstGeom>
+            <a:noFill/>
+            <a:ln w="57150" cap="flat" cmpd="sng" algn="ctr">
+              <a:solidFill>
+                <a:schemeClr val="tx1"/>
+              </a:solidFill>
+              <a:prstDash val="solid"/>
+              <a:round/>
+              <a:headEnd type="none" w="med" len="med"/>
+              <a:tailEnd type="none" w="med" len="med"/>
+            </a:ln>
+          </p:spPr>
+          <p:style>
+            <a:lnRef idx="0">
+              <a:scrgbClr r="0" g="0" b="0"/>
+            </a:lnRef>
+            <a:fillRef idx="0">
+              <a:scrgbClr r="0" g="0" b="0"/>
+            </a:fillRef>
+            <a:effectRef idx="0">
+              <a:scrgbClr r="0" g="0" b="0"/>
+            </a:effectRef>
+            <a:fontRef idx="minor">
+              <a:schemeClr val="accent2"/>
+            </a:fontRef>
+          </p:style>
+          <p:txBody>
+            <a:bodyPr rtlCol="0" anchor="ctr"/>
+            <a:lstStyle/>
+            <a:p>
+              <a:pPr algn="ctr"/>
+              <a:endParaRPr lang="ko-KR" altLang="en-US" sz="2400"/>
+            </a:p>
+          </p:txBody>
+        </p:sp>
+        <p:sp>
+          <p:nvSpPr>
+            <p:cNvPr id="2" name="TextBox 1"/>
+            <p:cNvSpPr txBox="1"/>
+            <p:nvPr/>
+          </p:nvSpPr>
+          <p:spPr>
+            <a:xfrm>
+              <a:off x="5864478" y="2402730"/>
+              <a:ext cx="2850574" cy="670541"/>
+            </a:xfrm>
+            <a:prstGeom prst="rect">
+              <a:avLst/>
+            </a:prstGeom>
+            <a:noFill/>
+          </p:spPr>
+          <p:txBody>
+            <a:bodyPr wrap="none" rtlCol="0">
+              <a:spAutoFit/>
+            </a:bodyPr>
+            <a:lstStyle/>
+            <a:p>
+              <a:r>
+                <a:rPr lang="en-US" altLang="ko-KR" sz="3000" dirty="0">
+                  <a:solidFill>
+                    <a:schemeClr val="bg1"/>
+                  </a:solidFill>
+                </a:rPr>
+                <a:t>0 1 2 3 4 5 6 7</a:t>
+              </a:r>
+              <a:endParaRPr lang="ko-KR" altLang="en-US" sz="3000" dirty="0">
+                <a:solidFill>
+                  <a:schemeClr val="bg1"/>
+                </a:solidFill>
+              </a:endParaRPr>
+            </a:p>
+          </p:txBody>
+        </p:sp>
+        <p:cxnSp>
+          <p:nvCxnSpPr>
+            <p:cNvPr id="33" name="꺾인 연결선 32"/>
+            <p:cNvCxnSpPr>
+              <a:endCxn id="37" idx="1"/>
+            </p:cNvCxnSpPr>
+            <p:nvPr/>
+          </p:nvCxnSpPr>
+          <p:spPr>
+            <a:xfrm>
+              <a:off x="6432605" y="3042101"/>
+              <a:ext cx="5570591" cy="3628885"/>
+            </a:xfrm>
+            <a:prstGeom prst="bentConnector3">
+              <a:avLst>
+                <a:gd name="adj1" fmla="val 24"/>
+              </a:avLst>
+            </a:prstGeom>
+            <a:ln w="57150">
+              <a:solidFill>
+                <a:srgbClr val="7030A0"/>
+              </a:solidFill>
+            </a:ln>
+          </p:spPr>
+          <p:style>
+            <a:lnRef idx="1">
+              <a:schemeClr val="accent1"/>
+            </a:lnRef>
+            <a:fillRef idx="0">
+              <a:schemeClr val="accent1"/>
+            </a:fillRef>
+            <a:effectRef idx="0">
+              <a:schemeClr val="accent1"/>
+            </a:effectRef>
+            <a:fontRef idx="minor">
+              <a:schemeClr val="tx1"/>
+            </a:fontRef>
+          </p:style>
+        </p:cxnSp>
+        <p:cxnSp>
+          <p:nvCxnSpPr>
+            <p:cNvPr id="41" name="꺾인 연결선 40"/>
+            <p:cNvCxnSpPr>
+              <a:endCxn id="73" idx="1"/>
+            </p:cNvCxnSpPr>
+            <p:nvPr/>
+          </p:nvCxnSpPr>
+          <p:spPr>
+            <a:xfrm>
+              <a:off x="6104750" y="3036620"/>
+              <a:ext cx="5935678" cy="3828518"/>
+            </a:xfrm>
+            <a:prstGeom prst="bentConnector3">
+              <a:avLst>
+                <a:gd name="adj1" fmla="val -154"/>
+              </a:avLst>
+            </a:prstGeom>
+            <a:ln w="57150">
+              <a:solidFill>
+                <a:schemeClr val="accent5"/>
+              </a:solidFill>
+            </a:ln>
+          </p:spPr>
+          <p:style>
+            <a:lnRef idx="1">
+              <a:schemeClr val="accent1"/>
+            </a:lnRef>
+            <a:fillRef idx="0">
+              <a:schemeClr val="accent1"/>
+            </a:fillRef>
+            <a:effectRef idx="0">
+              <a:schemeClr val="accent1"/>
+            </a:effectRef>
+            <a:fontRef idx="minor">
+              <a:schemeClr val="tx1"/>
+            </a:fontRef>
+          </p:style>
+        </p:cxnSp>
+        <p:cxnSp>
+          <p:nvCxnSpPr>
+            <p:cNvPr id="46" name="꺾인 연결선 45"/>
+            <p:cNvCxnSpPr>
+              <a:endCxn id="23" idx="0"/>
+            </p:cNvCxnSpPr>
+            <p:nvPr/>
+          </p:nvCxnSpPr>
+          <p:spPr>
+            <a:xfrm rot="5400000">
+              <a:off x="4685863" y="3188626"/>
+              <a:ext cx="2580631" cy="2233677"/>
+            </a:xfrm>
+            <a:prstGeom prst="bentConnector3">
+              <a:avLst>
+                <a:gd name="adj1" fmla="val 50000"/>
+              </a:avLst>
+            </a:prstGeom>
+            <a:ln w="57150">
+              <a:solidFill>
+                <a:schemeClr val="accent2"/>
+              </a:solidFill>
+            </a:ln>
+          </p:spPr>
+          <p:style>
+            <a:lnRef idx="1">
+              <a:schemeClr val="accent1"/>
+            </a:lnRef>
+            <a:fillRef idx="0">
+              <a:schemeClr val="accent1"/>
+            </a:fillRef>
+            <a:effectRef idx="0">
+              <a:schemeClr val="accent1"/>
+            </a:effectRef>
+            <a:fontRef idx="minor">
+              <a:schemeClr val="tx1"/>
+            </a:fontRef>
+          </p:style>
+        </p:cxnSp>
+        <p:sp>
+          <p:nvSpPr>
+            <p:cNvPr id="23" name="타원 22"/>
+            <p:cNvSpPr/>
+            <p:nvPr/>
+          </p:nvSpPr>
+          <p:spPr>
+            <a:xfrm>
+              <a:off x="4413943" y="5595781"/>
+              <a:ext cx="890794" cy="890794"/>
+            </a:xfrm>
+            <a:prstGeom prst="ellipse">
+              <a:avLst/>
+            </a:prstGeom>
+            <a:solidFill>
+              <a:schemeClr val="accent2"/>
+            </a:solidFill>
+            <a:ln>
+              <a:solidFill>
+                <a:schemeClr val="accent2"/>
+              </a:solidFill>
+            </a:ln>
+          </p:spPr>
+          <p:style>
+            <a:lnRef idx="2">
+              <a:schemeClr val="accent1">
+                <a:shade val="50000"/>
+              </a:schemeClr>
+            </a:lnRef>
+            <a:fillRef idx="1">
+              <a:schemeClr val="accent1"/>
+            </a:fillRef>
+            <a:effectRef idx="0">
+              <a:schemeClr val="accent1"/>
+            </a:effectRef>
+            <a:fontRef idx="minor">
+              <a:schemeClr val="lt1"/>
+            </a:fontRef>
+          </p:style>
+          <p:txBody>
+            <a:bodyPr rtlCol="0" anchor="ctr"/>
+            <a:lstStyle/>
+            <a:p>
+              <a:pPr algn="ctr"/>
+              <a:r>
+                <a:rPr lang="en-US" altLang="ko-KR" sz="2400" dirty="0"/>
+                <a:t>LD4</a:t>
+              </a:r>
+              <a:endParaRPr lang="ko-KR" altLang="en-US" sz="2400" dirty="0"/>
+            </a:p>
+          </p:txBody>
+        </p:sp>
+      </p:grpSp>
+    </p:spTree>
+    <p:extLst>
+      <p:ext uri="{BB962C8B-B14F-4D97-AF65-F5344CB8AC3E}">
+        <p14:creationId xmlns:p14="http://schemas.microsoft.com/office/powerpoint/2010/main" val="778291193"/>
+      </p:ext>
+    </p:extLst>
+  </p:cSld>
+  <p:clrMapOvr>
+    <a:masterClrMapping/>
+  </p:clrMapOvr>
+  <p:timing>
+    <p:tnLst>
+      <p:par>
+        <p:cTn id="1" dur="indefinite" restart="never" nodeType="tmRoot"/>
+      </p:par>
+    </p:tnLst>
+  </p:timing>
+</p:sld>
+</file>
+
+<file path=ppt/slides/slide2.xml><?xml version="1.0" encoding="utf-8"?>
+<p:sld xmlns:a="http://schemas.openxmlformats.org/drawingml/2006/main" xmlns:r="http://schemas.openxmlformats.org/officeDocument/2006/relationships" xmlns:p="http://schemas.openxmlformats.org/presentationml/2006/main">
+  <p:cSld>
+    <p:spTree>
+      <p:nvGrpSpPr>
+        <p:cNvPr id="1" name=""/>
+        <p:cNvGrpSpPr/>
+        <p:nvPr/>
+      </p:nvGrpSpPr>
+      <p:grpSpPr>
+        <a:xfrm>
+          <a:off x="0" y="0"/>
+          <a:ext cx="0" cy="0"/>
+          <a:chOff x="0" y="0"/>
+          <a:chExt cx="0" cy="0"/>
+        </a:xfrm>
+      </p:grpSpPr>
       <p:pic>
         <p:nvPicPr>
-          <p:cNvPr id="1034" name="Picture 10" descr="Saleae Logic Analyzers"/>
+          <p:cNvPr id="5" name="그림 4"/>
           <p:cNvPicPr>
-            <a:picLocks noChangeAspect="1" noChangeArrowheads="1"/>
+            <a:picLocks noChangeAspect="1"/>
           </p:cNvPicPr>
           <p:nvPr/>
         </p:nvPicPr>
-        <p:blipFill rotWithShape="1">
-          <a:blip r:embed="rId2" cstate="print">
-            <a:extLst>
-              <a:ext uri="{BEBA8EAE-BF5A-486C-A8C5-ECC9F3942E4B}">
-                <a14:imgProps xmlns:a14="http://schemas.microsoft.com/office/drawing/2010/main">
-                  <a14:imgLayer r:embed="rId3">
-                    <a14:imgEffect>
-                      <a14:backgroundRemoval t="10000" b="90000" l="10000" r="90000">
-                        <a14:foregroundMark x1="46000" y1="42800" x2="47150" y2="58000"/>
-                        <a14:foregroundMark x1="27650" y1="51000" x2="74100" y2="50600"/>
-                      </a14:backgroundRemoval>
-                    </a14:imgEffect>
-                  </a14:imgLayer>
-                </a14:imgProps>
-              </a:ext>
-              <a:ext uri="{28A0092B-C50C-407E-A947-70E740481C1C}">
-                <a14:useLocalDpi xmlns:a14="http://schemas.microsoft.com/office/drawing/2010/main" val="0"/>
-              </a:ext>
-            </a:extLst>
-          </a:blip>
-          <a:srcRect l="11621" t="11148" r="11035" b="12290"/>
-          <a:stretch/>
+        <p:blipFill>
+          <a:blip r:embed="rId2"/>
+          <a:stretch>
+            <a:fillRect/>
+          </a:stretch>
         </p:blipFill>
-        <p:spPr bwMode="auto">
+        <p:spPr>
           <a:xfrm>
-            <a:off x="3629572" y="-48568"/>
-            <a:ext cx="3669567" cy="3632502"/>
+            <a:off x="560254" y="484295"/>
+            <a:ext cx="13279703" cy="9831172"/>
+          </a:xfrm>
+          <a:prstGeom prst="rect">
+            <a:avLst/>
+          </a:prstGeom>
+        </p:spPr>
+      </p:pic>
+      <p:sp>
+        <p:nvSpPr>
+          <p:cNvPr id="40" name="직사각형 39"/>
+          <p:cNvSpPr/>
+          <p:nvPr/>
+        </p:nvSpPr>
+        <p:spPr>
+          <a:xfrm>
+            <a:off x="4533900" y="2921000"/>
+            <a:ext cx="5003800" cy="1155700"/>
           </a:xfrm>
           <a:prstGeom prst="rect">
             <a:avLst/>
           </a:prstGeom>
           <a:noFill/>
-          <a:extLst>
-            <a:ext uri="{909E8E84-426E-40DD-AFC4-6F175D3DCCD1}">
-              <a14:hiddenFill xmlns:a14="http://schemas.microsoft.com/office/drawing/2010/main">
-                <a:solidFill>
-                  <a:srgbClr val="FFFFFF"/>
-                </a:solidFill>
-              </a14:hiddenFill>
-            </a:ext>
-          </a:extLst>
-        </p:spPr>
-      </p:pic>
-      <p:pic>
-        <p:nvPicPr>
-          <p:cNvPr id="6" name="Picture 2" descr="X-NUCLEO-IKS01A1 - Motion MEMS and Environmental Sensors | Mbed"/>
-          <p:cNvPicPr>
-            <a:picLocks noChangeAspect="1" noChangeArrowheads="1"/>
-          </p:cNvPicPr>
-          <p:nvPr/>
-        </p:nvPicPr>
-        <p:blipFill>
-          <a:blip r:embed="rId4">
-            <a:extLst>
-              <a:ext uri="{28A0092B-C50C-407E-A947-70E740481C1C}">
-                <a14:useLocalDpi xmlns:a14="http://schemas.microsoft.com/office/drawing/2010/main" val="0"/>
-              </a:ext>
-            </a:extLst>
-          </a:blip>
-          <a:srcRect/>
-          <a:stretch>
-            <a:fillRect/>
-          </a:stretch>
-        </p:blipFill>
-        <p:spPr bwMode="auto">
-          <a:xfrm>
-            <a:off x="5319565" y="5182008"/>
-            <a:ext cx="5346122" cy="4009592"/>
-          </a:xfrm>
-          <a:prstGeom prst="rect">
-            <a:avLst/>
-          </a:prstGeom>
-          <a:noFill/>
-          <a:extLst>
-            <a:ext uri="{909E8E84-426E-40DD-AFC4-6F175D3DCCD1}">
-              <a14:hiddenFill xmlns:a14="http://schemas.microsoft.com/office/drawing/2010/main">
-                <a:solidFill>
-                  <a:srgbClr val="FFFFFF"/>
-                </a:solidFill>
-              </a14:hiddenFill>
-            </a:ext>
-          </a:extLst>
-        </p:spPr>
-      </p:pic>
-      <p:pic>
-        <p:nvPicPr>
-          <p:cNvPr id="1038" name="Picture 14" descr="Image 1"/>
-          <p:cNvPicPr>
-            <a:picLocks noChangeAspect="1" noChangeArrowheads="1"/>
-          </p:cNvPicPr>
-          <p:nvPr/>
-        </p:nvPicPr>
-        <p:blipFill>
-          <a:blip r:embed="rId5">
-            <a:extLst>
-              <a:ext uri="{28A0092B-C50C-407E-A947-70E740481C1C}">
-                <a14:useLocalDpi xmlns:a14="http://schemas.microsoft.com/office/drawing/2010/main" val="0"/>
-              </a:ext>
-            </a:extLst>
-          </a:blip>
-          <a:srcRect/>
-          <a:stretch>
-            <a:fillRect/>
-          </a:stretch>
-        </p:blipFill>
-        <p:spPr bwMode="auto">
-          <a:xfrm>
-            <a:off x="233215" y="5182008"/>
-            <a:ext cx="5086350" cy="4438651"/>
-          </a:xfrm>
-          <a:prstGeom prst="rect">
-            <a:avLst/>
-          </a:prstGeom>
-          <a:noFill/>
-          <a:extLst>
-            <a:ext uri="{909E8E84-426E-40DD-AFC4-6F175D3DCCD1}">
-              <a14:hiddenFill xmlns:a14="http://schemas.microsoft.com/office/drawing/2010/main">
-                <a:solidFill>
-                  <a:srgbClr val="FFFFFF"/>
-                </a:solidFill>
-              </a14:hiddenFill>
-            </a:ext>
-          </a:extLst>
-        </p:spPr>
-      </p:pic>
-      <p:cxnSp>
-        <p:nvCxnSpPr>
-          <p:cNvPr id="14" name="꺾인 연결선 13"/>
-          <p:cNvCxnSpPr/>
-          <p:nvPr/>
-        </p:nvCxnSpPr>
-        <p:spPr>
-          <a:xfrm flipV="1">
-            <a:off x="1996440" y="6865620"/>
-            <a:ext cx="3550920" cy="281940"/>
-          </a:xfrm>
-          <a:prstGeom prst="bentConnector3">
-            <a:avLst>
-              <a:gd name="adj1" fmla="val 18187"/>
-            </a:avLst>
-          </a:prstGeom>
-          <a:ln w="57150">
+          <a:ln w="76200">
             <a:solidFill>
               <a:srgbClr val="FF0000"/>
-            </a:solidFill>
-          </a:ln>
-        </p:spPr>
-        <p:style>
-          <a:lnRef idx="1">
-            <a:schemeClr val="accent1"/>
-          </a:lnRef>
-          <a:fillRef idx="0">
-            <a:schemeClr val="accent1"/>
-          </a:fillRef>
-          <a:effectRef idx="0">
-            <a:schemeClr val="accent1"/>
-          </a:effectRef>
-          <a:fontRef idx="minor">
-            <a:schemeClr val="tx1"/>
-          </a:fontRef>
-        </p:style>
-      </p:cxnSp>
-      <p:sp>
-        <p:nvSpPr>
-          <p:cNvPr id="24" name="모서리가 둥근 직사각형 23"/>
-          <p:cNvSpPr/>
-          <p:nvPr/>
-        </p:nvSpPr>
-        <p:spPr>
-          <a:xfrm>
-            <a:off x="1181100" y="7087744"/>
-            <a:ext cx="815340" cy="198120"/>
-          </a:xfrm>
-          <a:prstGeom prst="roundRect">
-            <a:avLst/>
-          </a:prstGeom>
-          <a:noFill/>
-          <a:ln w="57150" cap="flat" cmpd="sng" algn="ctr">
-            <a:solidFill>
-              <a:srgbClr val="FF0000"/>
-            </a:solidFill>
-            <a:prstDash val="solid"/>
-            <a:round/>
-            <a:headEnd type="none" w="med" len="med"/>
-            <a:tailEnd type="none" w="med" len="med"/>
-          </a:ln>
-        </p:spPr>
-        <p:style>
-          <a:lnRef idx="0">
-            <a:scrgbClr r="0" g="0" b="0"/>
-          </a:lnRef>
-          <a:fillRef idx="0">
-            <a:scrgbClr r="0" g="0" b="0"/>
-          </a:fillRef>
-          <a:effectRef idx="0">
-            <a:scrgbClr r="0" g="0" b="0"/>
-          </a:effectRef>
-          <a:fontRef idx="minor">
-            <a:schemeClr val="accent2"/>
-          </a:fontRef>
-        </p:style>
-        <p:txBody>
-          <a:bodyPr rtlCol="0" anchor="ctr"/>
-          <a:lstStyle/>
-          <a:p>
-            <a:pPr algn="ctr"/>
-            <a:endParaRPr lang="ko-KR" altLang="en-US"/>
-          </a:p>
-        </p:txBody>
-      </p:sp>
-      <p:sp>
-        <p:nvSpPr>
-          <p:cNvPr id="28" name="모서리가 둥근 직사각형 27"/>
-          <p:cNvSpPr/>
-          <p:nvPr/>
-        </p:nvSpPr>
-        <p:spPr>
-          <a:xfrm>
-            <a:off x="5547360" y="6746366"/>
-            <a:ext cx="1477044" cy="198120"/>
-          </a:xfrm>
-          <a:prstGeom prst="roundRect">
-            <a:avLst/>
-          </a:prstGeom>
-          <a:noFill/>
-          <a:ln w="57150" cap="flat" cmpd="sng" algn="ctr">
-            <a:solidFill>
-              <a:srgbClr val="FF0000"/>
-            </a:solidFill>
-            <a:prstDash val="solid"/>
-            <a:round/>
-            <a:headEnd type="none" w="med" len="med"/>
-            <a:tailEnd type="none" w="med" len="med"/>
-          </a:ln>
-        </p:spPr>
-        <p:style>
-          <a:lnRef idx="0">
-            <a:scrgbClr r="0" g="0" b="0"/>
-          </a:lnRef>
-          <a:fillRef idx="0">
-            <a:scrgbClr r="0" g="0" b="0"/>
-          </a:fillRef>
-          <a:effectRef idx="0">
-            <a:scrgbClr r="0" g="0" b="0"/>
-          </a:effectRef>
-          <a:fontRef idx="minor">
-            <a:schemeClr val="accent2"/>
-          </a:fontRef>
-        </p:style>
-        <p:txBody>
-          <a:bodyPr rtlCol="0" anchor="ctr"/>
-          <a:lstStyle/>
-          <a:p>
-            <a:pPr algn="ctr"/>
-            <a:endParaRPr lang="ko-KR" altLang="en-US"/>
-          </a:p>
-        </p:txBody>
-      </p:sp>
-      <p:cxnSp>
-        <p:nvCxnSpPr>
-          <p:cNvPr id="30" name="꺾인 연결선 29"/>
-          <p:cNvCxnSpPr>
-            <a:stCxn id="31" idx="3"/>
-          </p:cNvCxnSpPr>
-          <p:nvPr/>
-        </p:nvCxnSpPr>
-        <p:spPr>
-          <a:xfrm flipV="1">
-            <a:off x="1996440" y="7302503"/>
-            <a:ext cx="3550920" cy="355750"/>
-          </a:xfrm>
-          <a:prstGeom prst="bentConnector3">
-            <a:avLst>
-              <a:gd name="adj1" fmla="val 18348"/>
-            </a:avLst>
-          </a:prstGeom>
-          <a:ln w="57150">
-            <a:solidFill>
-              <a:schemeClr val="tx1"/>
-            </a:solidFill>
-          </a:ln>
-        </p:spPr>
-        <p:style>
-          <a:lnRef idx="1">
-            <a:schemeClr val="accent1"/>
-          </a:lnRef>
-          <a:fillRef idx="0">
-            <a:schemeClr val="accent1"/>
-          </a:fillRef>
-          <a:effectRef idx="0">
-            <a:schemeClr val="accent1"/>
-          </a:effectRef>
-          <a:fontRef idx="minor">
-            <a:schemeClr val="tx1"/>
-          </a:fontRef>
-        </p:style>
-      </p:cxnSp>
-      <p:sp>
-        <p:nvSpPr>
-          <p:cNvPr id="31" name="모서리가 둥근 직사각형 30"/>
-          <p:cNvSpPr/>
-          <p:nvPr/>
-        </p:nvSpPr>
-        <p:spPr>
-          <a:xfrm>
-            <a:off x="1181100" y="7582206"/>
-            <a:ext cx="815340" cy="152094"/>
-          </a:xfrm>
-          <a:prstGeom prst="roundRect">
-            <a:avLst/>
-          </a:prstGeom>
-          <a:noFill/>
-          <a:ln w="57150" cap="flat" cmpd="sng" algn="ctr">
-            <a:solidFill>
-              <a:schemeClr val="tx1"/>
-            </a:solidFill>
-            <a:prstDash val="solid"/>
-            <a:round/>
-            <a:headEnd type="none" w="med" len="med"/>
-            <a:tailEnd type="none" w="med" len="med"/>
-          </a:ln>
-        </p:spPr>
-        <p:style>
-          <a:lnRef idx="0">
-            <a:scrgbClr r="0" g="0" b="0"/>
-          </a:lnRef>
-          <a:fillRef idx="0">
-            <a:scrgbClr r="0" g="0" b="0"/>
-          </a:fillRef>
-          <a:effectRef idx="0">
-            <a:scrgbClr r="0" g="0" b="0"/>
-          </a:effectRef>
-          <a:fontRef idx="minor">
-            <a:schemeClr val="accent2"/>
-          </a:fontRef>
-        </p:style>
-        <p:txBody>
-          <a:bodyPr rtlCol="0" anchor="ctr"/>
-          <a:lstStyle/>
-          <a:p>
-            <a:pPr algn="ctr"/>
-            <a:endParaRPr lang="ko-KR" altLang="en-US"/>
-          </a:p>
-        </p:txBody>
-      </p:sp>
-      <p:sp>
-        <p:nvSpPr>
-          <p:cNvPr id="32" name="모서리가 둥근 직사각형 31"/>
-          <p:cNvSpPr/>
-          <p:nvPr/>
-        </p:nvSpPr>
-        <p:spPr>
-          <a:xfrm>
-            <a:off x="5547360" y="7183246"/>
-            <a:ext cx="1477044" cy="198120"/>
-          </a:xfrm>
-          <a:prstGeom prst="roundRect">
-            <a:avLst/>
-          </a:prstGeom>
-          <a:noFill/>
-          <a:ln w="57150" cap="flat" cmpd="sng" algn="ctr">
-            <a:solidFill>
-              <a:schemeClr val="tx1"/>
-            </a:solidFill>
-            <a:prstDash val="solid"/>
-            <a:round/>
-            <a:headEnd type="none" w="med" len="med"/>
-            <a:tailEnd type="none" w="med" len="med"/>
-          </a:ln>
-        </p:spPr>
-        <p:style>
-          <a:lnRef idx="0">
-            <a:scrgbClr r="0" g="0" b="0"/>
-          </a:lnRef>
-          <a:fillRef idx="0">
-            <a:scrgbClr r="0" g="0" b="0"/>
-          </a:fillRef>
-          <a:effectRef idx="0">
-            <a:scrgbClr r="0" g="0" b="0"/>
-          </a:effectRef>
-          <a:fontRef idx="minor">
-            <a:schemeClr val="accent2"/>
-          </a:fontRef>
-        </p:style>
-        <p:txBody>
-          <a:bodyPr rtlCol="0" anchor="ctr"/>
-          <a:lstStyle/>
-          <a:p>
-            <a:pPr algn="ctr"/>
-            <a:endParaRPr lang="ko-KR" altLang="en-US"/>
-          </a:p>
-        </p:txBody>
-      </p:sp>
-      <p:cxnSp>
-        <p:nvCxnSpPr>
-          <p:cNvPr id="35" name="꺾인 연결선 34"/>
-          <p:cNvCxnSpPr>
-            <a:stCxn id="36" idx="3"/>
-            <a:endCxn id="37" idx="1"/>
-          </p:cNvCxnSpPr>
-          <p:nvPr/>
-        </p:nvCxnSpPr>
-        <p:spPr>
-          <a:xfrm flipV="1">
-            <a:off x="3943639" y="6353175"/>
-            <a:ext cx="5058427" cy="2385196"/>
-          </a:xfrm>
-          <a:prstGeom prst="bentConnector3">
-            <a:avLst>
-              <a:gd name="adj1" fmla="val 63407"/>
-            </a:avLst>
-          </a:prstGeom>
-          <a:ln w="57150">
-            <a:solidFill>
-              <a:srgbClr val="7030A0"/>
-            </a:solidFill>
-          </a:ln>
-        </p:spPr>
-        <p:style>
-          <a:lnRef idx="1">
-            <a:schemeClr val="accent1"/>
-          </a:lnRef>
-          <a:fillRef idx="0">
-            <a:schemeClr val="accent1"/>
-          </a:fillRef>
-          <a:effectRef idx="0">
-            <a:schemeClr val="accent1"/>
-          </a:effectRef>
-          <a:fontRef idx="minor">
-            <a:schemeClr val="tx1"/>
-          </a:fontRef>
-        </p:style>
-      </p:cxnSp>
-      <p:sp>
-        <p:nvSpPr>
-          <p:cNvPr id="36" name="모서리가 둥근 직사각형 35"/>
-          <p:cNvSpPr/>
-          <p:nvPr/>
-        </p:nvSpPr>
-        <p:spPr>
-          <a:xfrm>
-            <a:off x="3128299" y="8639311"/>
-            <a:ext cx="815340" cy="198120"/>
-          </a:xfrm>
-          <a:prstGeom prst="roundRect">
-            <a:avLst/>
-          </a:prstGeom>
-          <a:noFill/>
-          <a:ln w="57150" cap="flat" cmpd="sng" algn="ctr">
-            <a:solidFill>
-              <a:srgbClr val="7030A0"/>
-            </a:solidFill>
-            <a:prstDash val="solid"/>
-            <a:round/>
-            <a:headEnd type="none" w="med" len="med"/>
-            <a:tailEnd type="none" w="med" len="med"/>
-          </a:ln>
-        </p:spPr>
-        <p:style>
-          <a:lnRef idx="0">
-            <a:scrgbClr r="0" g="0" b="0"/>
-          </a:lnRef>
-          <a:fillRef idx="0">
-            <a:scrgbClr r="0" g="0" b="0"/>
-          </a:fillRef>
-          <a:effectRef idx="0">
-            <a:scrgbClr r="0" g="0" b="0"/>
-          </a:effectRef>
-          <a:fontRef idx="minor">
-            <a:schemeClr val="accent2"/>
-          </a:fontRef>
-        </p:style>
-        <p:txBody>
-          <a:bodyPr rtlCol="0" anchor="ctr"/>
-          <a:lstStyle/>
-          <a:p>
-            <a:pPr algn="ctr"/>
-            <a:endParaRPr lang="ko-KR" altLang="en-US"/>
-          </a:p>
-        </p:txBody>
-      </p:sp>
-      <p:sp>
-        <p:nvSpPr>
-          <p:cNvPr id="37" name="모서리가 둥근 직사각형 36"/>
-          <p:cNvSpPr/>
-          <p:nvPr/>
-        </p:nvSpPr>
-        <p:spPr>
-          <a:xfrm>
-            <a:off x="9002066" y="6267450"/>
-            <a:ext cx="1477044" cy="171450"/>
-          </a:xfrm>
-          <a:prstGeom prst="roundRect">
-            <a:avLst/>
-          </a:prstGeom>
-          <a:noFill/>
-          <a:ln w="57150" cap="flat" cmpd="sng" algn="ctr">
-            <a:solidFill>
-              <a:srgbClr val="7030A0"/>
-            </a:solidFill>
-            <a:prstDash val="solid"/>
-            <a:round/>
-            <a:headEnd type="none" w="med" len="med"/>
-            <a:tailEnd type="none" w="med" len="med"/>
-          </a:ln>
-        </p:spPr>
-        <p:style>
-          <a:lnRef idx="0">
-            <a:scrgbClr r="0" g="0" b="0"/>
-          </a:lnRef>
-          <a:fillRef idx="0">
-            <a:scrgbClr r="0" g="0" b="0"/>
-          </a:fillRef>
-          <a:effectRef idx="0">
-            <a:scrgbClr r="0" g="0" b="0"/>
-          </a:effectRef>
-          <a:fontRef idx="minor">
-            <a:schemeClr val="accent2"/>
-          </a:fontRef>
-        </p:style>
-        <p:txBody>
-          <a:bodyPr rtlCol="0" anchor="ctr"/>
-          <a:lstStyle/>
-          <a:p>
-            <a:pPr algn="ctr"/>
-            <a:endParaRPr lang="ko-KR" altLang="en-US"/>
-          </a:p>
-        </p:txBody>
-      </p:sp>
-      <p:cxnSp>
-        <p:nvCxnSpPr>
-          <p:cNvPr id="38" name="꺾인 연결선 37"/>
-          <p:cNvCxnSpPr>
-            <a:stCxn id="1038" idx="0"/>
-          </p:cNvCxnSpPr>
-          <p:nvPr/>
-        </p:nvCxnSpPr>
-        <p:spPr>
-          <a:xfrm rot="5400000" flipH="1" flipV="1">
-            <a:off x="2897415" y="3501029"/>
-            <a:ext cx="1559955" cy="1802004"/>
-          </a:xfrm>
-          <a:prstGeom prst="bentConnector2">
-            <a:avLst/>
-          </a:prstGeom>
-          <a:ln w="57150">
-            <a:solidFill>
-              <a:schemeClr val="accent2">
-                <a:lumMod val="50000"/>
-              </a:schemeClr>
-            </a:solidFill>
-          </a:ln>
-        </p:spPr>
-        <p:style>
-          <a:lnRef idx="1">
-            <a:schemeClr val="accent1"/>
-          </a:lnRef>
-          <a:fillRef idx="0">
-            <a:schemeClr val="accent1"/>
-          </a:fillRef>
-          <a:effectRef idx="0">
-            <a:schemeClr val="accent1"/>
-          </a:effectRef>
-          <a:fontRef idx="minor">
-            <a:schemeClr val="tx1"/>
-          </a:fontRef>
-        </p:style>
-      </p:cxnSp>
-      <p:sp>
-        <p:nvSpPr>
-          <p:cNvPr id="39" name="모서리가 둥근 직사각형 38"/>
-          <p:cNvSpPr/>
-          <p:nvPr/>
-        </p:nvSpPr>
-        <p:spPr>
-          <a:xfrm>
-            <a:off x="1181100" y="7734299"/>
-            <a:ext cx="815340" cy="165279"/>
-          </a:xfrm>
-          <a:prstGeom prst="roundRect">
-            <a:avLst/>
-          </a:prstGeom>
-          <a:noFill/>
-          <a:ln w="57150" cap="flat" cmpd="sng" algn="ctr">
-            <a:solidFill>
-              <a:schemeClr val="accent2">
-                <a:lumMod val="50000"/>
-              </a:schemeClr>
-            </a:solidFill>
-            <a:prstDash val="solid"/>
-            <a:round/>
-            <a:headEnd type="none" w="med" len="med"/>
-            <a:tailEnd type="none" w="med" len="med"/>
-          </a:ln>
-        </p:spPr>
-        <p:style>
-          <a:lnRef idx="0">
-            <a:scrgbClr r="0" g="0" b="0"/>
-          </a:lnRef>
-          <a:fillRef idx="0">
-            <a:scrgbClr r="0" g="0" b="0"/>
-          </a:fillRef>
-          <a:effectRef idx="0">
-            <a:scrgbClr r="0" g="0" b="0"/>
-          </a:effectRef>
-          <a:fontRef idx="minor">
-            <a:schemeClr val="accent2"/>
-          </a:fontRef>
-        </p:style>
-        <p:txBody>
-          <a:bodyPr rtlCol="0" anchor="ctr"/>
-          <a:lstStyle/>
-          <a:p>
-            <a:pPr algn="ctr"/>
-            <a:endParaRPr lang="ko-KR" altLang="en-US"/>
-          </a:p>
-        </p:txBody>
-      </p:sp>
-      <p:sp>
-        <p:nvSpPr>
-          <p:cNvPr id="50" name="모서리가 둥근 직사각형 49"/>
-          <p:cNvSpPr/>
-          <p:nvPr/>
-        </p:nvSpPr>
-        <p:spPr>
-          <a:xfrm rot="5400000">
-            <a:off x="4555535" y="3474006"/>
-            <a:ext cx="45719" cy="198120"/>
-          </a:xfrm>
-          <a:prstGeom prst="roundRect">
-            <a:avLst/>
-          </a:prstGeom>
-          <a:noFill/>
-          <a:ln w="57150" cap="flat" cmpd="sng" algn="ctr">
-            <a:solidFill>
-              <a:schemeClr val="tx1"/>
-            </a:solidFill>
-            <a:prstDash val="solid"/>
-            <a:round/>
-            <a:headEnd type="none" w="med" len="med"/>
-            <a:tailEnd type="none" w="med" len="med"/>
-          </a:ln>
-        </p:spPr>
-        <p:style>
-          <a:lnRef idx="0">
-            <a:scrgbClr r="0" g="0" b="0"/>
-          </a:lnRef>
-          <a:fillRef idx="0">
-            <a:scrgbClr r="0" g="0" b="0"/>
-          </a:fillRef>
-          <a:effectRef idx="0">
-            <a:scrgbClr r="0" g="0" b="0"/>
-          </a:effectRef>
-          <a:fontRef idx="minor">
-            <a:schemeClr val="accent2"/>
-          </a:fontRef>
-        </p:style>
-        <p:txBody>
-          <a:bodyPr rtlCol="0" anchor="ctr"/>
-          <a:lstStyle/>
-          <a:p>
-            <a:pPr algn="ctr"/>
-            <a:endParaRPr lang="ko-KR" altLang="en-US"/>
-          </a:p>
-        </p:txBody>
-      </p:sp>
-      <p:sp>
-        <p:nvSpPr>
-          <p:cNvPr id="51" name="모서리가 둥근 직사각형 50"/>
-          <p:cNvSpPr/>
-          <p:nvPr/>
-        </p:nvSpPr>
-        <p:spPr>
-          <a:xfrm rot="5400000">
-            <a:off x="4801417" y="3476952"/>
-            <a:ext cx="45719" cy="198120"/>
-          </a:xfrm>
-          <a:prstGeom prst="roundRect">
-            <a:avLst/>
-          </a:prstGeom>
-          <a:noFill/>
-          <a:ln w="57150" cap="flat" cmpd="sng" algn="ctr">
-            <a:solidFill>
-              <a:schemeClr val="tx1"/>
-            </a:solidFill>
-            <a:prstDash val="solid"/>
-            <a:round/>
-            <a:headEnd type="none" w="med" len="med"/>
-            <a:tailEnd type="none" w="med" len="med"/>
-          </a:ln>
-        </p:spPr>
-        <p:style>
-          <a:lnRef idx="0">
-            <a:scrgbClr r="0" g="0" b="0"/>
-          </a:lnRef>
-          <a:fillRef idx="0">
-            <a:scrgbClr r="0" g="0" b="0"/>
-          </a:fillRef>
-          <a:effectRef idx="0">
-            <a:scrgbClr r="0" g="0" b="0"/>
-          </a:effectRef>
-          <a:fontRef idx="minor">
-            <a:schemeClr val="accent2"/>
-          </a:fontRef>
-        </p:style>
-        <p:txBody>
-          <a:bodyPr rtlCol="0" anchor="ctr"/>
-          <a:lstStyle/>
-          <a:p>
-            <a:pPr algn="ctr"/>
-            <a:endParaRPr lang="ko-KR" altLang="en-US"/>
-          </a:p>
-        </p:txBody>
-      </p:sp>
-      <p:sp>
-        <p:nvSpPr>
-          <p:cNvPr id="52" name="모서리가 둥근 직사각형 51"/>
-          <p:cNvSpPr/>
-          <p:nvPr/>
-        </p:nvSpPr>
-        <p:spPr>
-          <a:xfrm rot="5400000">
-            <a:off x="5052878" y="3476951"/>
-            <a:ext cx="45719" cy="198120"/>
-          </a:xfrm>
-          <a:prstGeom prst="roundRect">
-            <a:avLst/>
-          </a:prstGeom>
-          <a:noFill/>
-          <a:ln w="57150" cap="flat" cmpd="sng" algn="ctr">
-            <a:solidFill>
-              <a:schemeClr val="tx1"/>
-            </a:solidFill>
-            <a:prstDash val="solid"/>
-            <a:round/>
-            <a:headEnd type="none" w="med" len="med"/>
-            <a:tailEnd type="none" w="med" len="med"/>
-          </a:ln>
-        </p:spPr>
-        <p:style>
-          <a:lnRef idx="0">
-            <a:scrgbClr r="0" g="0" b="0"/>
-          </a:lnRef>
-          <a:fillRef idx="0">
-            <a:scrgbClr r="0" g="0" b="0"/>
-          </a:fillRef>
-          <a:effectRef idx="0">
-            <a:scrgbClr r="0" g="0" b="0"/>
-          </a:effectRef>
-          <a:fontRef idx="minor">
-            <a:schemeClr val="accent2"/>
-          </a:fontRef>
-        </p:style>
-        <p:txBody>
-          <a:bodyPr rtlCol="0" anchor="ctr"/>
-          <a:lstStyle/>
-          <a:p>
-            <a:pPr algn="ctr"/>
-            <a:endParaRPr lang="ko-KR" altLang="en-US"/>
-          </a:p>
-        </p:txBody>
-      </p:sp>
-      <p:sp>
-        <p:nvSpPr>
-          <p:cNvPr id="53" name="모서리가 둥근 직사각형 52"/>
-          <p:cNvSpPr/>
-          <p:nvPr/>
-        </p:nvSpPr>
-        <p:spPr>
-          <a:xfrm rot="5400000">
-            <a:off x="5304338" y="3474005"/>
-            <a:ext cx="45719" cy="198120"/>
-          </a:xfrm>
-          <a:prstGeom prst="roundRect">
-            <a:avLst/>
-          </a:prstGeom>
-          <a:noFill/>
-          <a:ln w="57150" cap="flat" cmpd="sng" algn="ctr">
-            <a:solidFill>
-              <a:schemeClr val="tx1"/>
-            </a:solidFill>
-            <a:prstDash val="solid"/>
-            <a:round/>
-            <a:headEnd type="none" w="med" len="med"/>
-            <a:tailEnd type="none" w="med" len="med"/>
-          </a:ln>
-        </p:spPr>
-        <p:style>
-          <a:lnRef idx="0">
-            <a:scrgbClr r="0" g="0" b="0"/>
-          </a:lnRef>
-          <a:fillRef idx="0">
-            <a:scrgbClr r="0" g="0" b="0"/>
-          </a:fillRef>
-          <a:effectRef idx="0">
-            <a:scrgbClr r="0" g="0" b="0"/>
-          </a:effectRef>
-          <a:fontRef idx="minor">
-            <a:schemeClr val="accent2"/>
-          </a:fontRef>
-        </p:style>
-        <p:txBody>
-          <a:bodyPr rtlCol="0" anchor="ctr"/>
-          <a:lstStyle/>
-          <a:p>
-            <a:pPr algn="ctr"/>
-            <a:endParaRPr lang="ko-KR" altLang="en-US"/>
-          </a:p>
-        </p:txBody>
-      </p:sp>
-      <p:cxnSp>
-        <p:nvCxnSpPr>
-          <p:cNvPr id="55" name="꺾인 연결선 54"/>
-          <p:cNvCxnSpPr>
-            <a:endCxn id="1038" idx="0"/>
-          </p:cNvCxnSpPr>
-          <p:nvPr/>
-        </p:nvCxnSpPr>
-        <p:spPr>
-          <a:xfrm rot="5400000" flipH="1" flipV="1">
-            <a:off x="1062511" y="6115938"/>
-            <a:ext cx="2647809" cy="779950"/>
-          </a:xfrm>
-          <a:prstGeom prst="bentConnector3">
-            <a:avLst>
-              <a:gd name="adj1" fmla="val 355"/>
-            </a:avLst>
-          </a:prstGeom>
-          <a:ln w="57150">
-            <a:solidFill>
-              <a:schemeClr val="accent2">
-                <a:lumMod val="50000"/>
-              </a:schemeClr>
-            </a:solidFill>
-          </a:ln>
-        </p:spPr>
-        <p:style>
-          <a:lnRef idx="1">
-            <a:schemeClr val="accent1"/>
-          </a:lnRef>
-          <a:fillRef idx="0">
-            <a:schemeClr val="accent1"/>
-          </a:fillRef>
-          <a:effectRef idx="0">
-            <a:schemeClr val="accent1"/>
-          </a:effectRef>
-          <a:fontRef idx="minor">
-            <a:schemeClr val="tx1"/>
-          </a:fontRef>
-        </p:style>
-      </p:cxnSp>
-      <p:cxnSp>
-        <p:nvCxnSpPr>
-          <p:cNvPr id="71" name="꺾인 연결선 70"/>
-          <p:cNvCxnSpPr>
-            <a:stCxn id="72" idx="3"/>
-            <a:endCxn id="73" idx="1"/>
-          </p:cNvCxnSpPr>
-          <p:nvPr/>
-        </p:nvCxnSpPr>
-        <p:spPr>
-          <a:xfrm flipV="1">
-            <a:off x="3943639" y="6498783"/>
-            <a:ext cx="5086350" cy="1245253"/>
-          </a:xfrm>
-          <a:prstGeom prst="bentConnector3">
-            <a:avLst>
-              <a:gd name="adj1" fmla="val 50000"/>
-            </a:avLst>
-          </a:prstGeom>
-          <a:ln w="57150">
-            <a:solidFill>
-              <a:schemeClr val="accent5"/>
-            </a:solidFill>
-          </a:ln>
-        </p:spPr>
-        <p:style>
-          <a:lnRef idx="1">
-            <a:schemeClr val="accent1"/>
-          </a:lnRef>
-          <a:fillRef idx="0">
-            <a:schemeClr val="accent1"/>
-          </a:fillRef>
-          <a:effectRef idx="0">
-            <a:schemeClr val="accent1"/>
-          </a:effectRef>
-          <a:fontRef idx="minor">
-            <a:schemeClr val="tx1"/>
-          </a:fontRef>
-        </p:style>
-      </p:cxnSp>
-      <p:sp>
-        <p:nvSpPr>
-          <p:cNvPr id="72" name="모서리가 둥근 직사각형 71"/>
-          <p:cNvSpPr/>
-          <p:nvPr/>
-        </p:nvSpPr>
-        <p:spPr>
-          <a:xfrm>
-            <a:off x="3128299" y="7658253"/>
-            <a:ext cx="815340" cy="171565"/>
-          </a:xfrm>
-          <a:prstGeom prst="roundRect">
-            <a:avLst/>
-          </a:prstGeom>
-          <a:noFill/>
-          <a:ln w="57150" cap="flat" cmpd="sng" algn="ctr">
-            <a:solidFill>
-              <a:schemeClr val="accent5"/>
-            </a:solidFill>
-            <a:prstDash val="solid"/>
-            <a:round/>
-            <a:headEnd type="none" w="med" len="med"/>
-            <a:tailEnd type="none" w="med" len="med"/>
-          </a:ln>
-        </p:spPr>
-        <p:style>
-          <a:lnRef idx="0">
-            <a:scrgbClr r="0" g="0" b="0"/>
-          </a:lnRef>
-          <a:fillRef idx="0">
-            <a:scrgbClr r="0" g="0" b="0"/>
-          </a:fillRef>
-          <a:effectRef idx="0">
-            <a:scrgbClr r="0" g="0" b="0"/>
-          </a:effectRef>
-          <a:fontRef idx="minor">
-            <a:schemeClr val="accent2"/>
-          </a:fontRef>
-        </p:style>
-        <p:txBody>
-          <a:bodyPr rtlCol="0" anchor="ctr"/>
-          <a:lstStyle/>
-          <a:p>
-            <a:pPr algn="ctr"/>
-            <a:endParaRPr lang="ko-KR" altLang="en-US"/>
-          </a:p>
-        </p:txBody>
-      </p:sp>
-      <p:sp>
-        <p:nvSpPr>
-          <p:cNvPr id="73" name="모서리가 둥근 직사각형 72"/>
-          <p:cNvSpPr/>
-          <p:nvPr/>
-        </p:nvSpPr>
-        <p:spPr>
-          <a:xfrm>
-            <a:off x="9029989" y="6438899"/>
-            <a:ext cx="1477044" cy="119767"/>
-          </a:xfrm>
-          <a:prstGeom prst="roundRect">
-            <a:avLst/>
-          </a:prstGeom>
-          <a:noFill/>
-          <a:ln w="57150" cap="flat" cmpd="sng" algn="ctr">
-            <a:solidFill>
-              <a:schemeClr val="accent5"/>
-            </a:solidFill>
-            <a:prstDash val="solid"/>
-            <a:round/>
-            <a:headEnd type="none" w="med" len="med"/>
-            <a:tailEnd type="none" w="med" len="med"/>
-          </a:ln>
-        </p:spPr>
-        <p:style>
-          <a:lnRef idx="0">
-            <a:scrgbClr r="0" g="0" b="0"/>
-          </a:lnRef>
-          <a:fillRef idx="0">
-            <a:scrgbClr r="0" g="0" b="0"/>
-          </a:fillRef>
-          <a:effectRef idx="0">
-            <a:scrgbClr r="0" g="0" b="0"/>
-          </a:effectRef>
-          <a:fontRef idx="minor">
-            <a:schemeClr val="accent2"/>
-          </a:fontRef>
-        </p:style>
-        <p:txBody>
-          <a:bodyPr rtlCol="0" anchor="ctr"/>
-          <a:lstStyle/>
-          <a:p>
-            <a:pPr algn="ctr"/>
-            <a:endParaRPr lang="ko-KR" altLang="en-US"/>
-          </a:p>
-        </p:txBody>
-      </p:sp>
-      <p:sp>
-        <p:nvSpPr>
-          <p:cNvPr id="25" name="모서리가 둥근 직사각형 24"/>
-          <p:cNvSpPr/>
-          <p:nvPr/>
-        </p:nvSpPr>
-        <p:spPr>
-          <a:xfrm rot="5400000">
-            <a:off x="5555797" y="3475170"/>
-            <a:ext cx="45719" cy="198120"/>
-          </a:xfrm>
-          <a:prstGeom prst="roundRect">
-            <a:avLst/>
-          </a:prstGeom>
-          <a:noFill/>
-          <a:ln w="57150" cap="flat" cmpd="sng" algn="ctr">
-            <a:solidFill>
-              <a:schemeClr val="tx1"/>
-            </a:solidFill>
-            <a:prstDash val="solid"/>
-            <a:round/>
-            <a:headEnd type="none" w="med" len="med"/>
-            <a:tailEnd type="none" w="med" len="med"/>
-          </a:ln>
-        </p:spPr>
-        <p:style>
-          <a:lnRef idx="0">
-            <a:scrgbClr r="0" g="0" b="0"/>
-          </a:lnRef>
-          <a:fillRef idx="0">
-            <a:scrgbClr r="0" g="0" b="0"/>
-          </a:fillRef>
-          <a:effectRef idx="0">
-            <a:scrgbClr r="0" g="0" b="0"/>
-          </a:effectRef>
-          <a:fontRef idx="minor">
-            <a:schemeClr val="accent2"/>
-          </a:fontRef>
-        </p:style>
-        <p:txBody>
-          <a:bodyPr rtlCol="0" anchor="ctr"/>
-          <a:lstStyle/>
-          <a:p>
-            <a:pPr algn="ctr"/>
-            <a:endParaRPr lang="ko-KR" altLang="en-US"/>
-          </a:p>
-        </p:txBody>
-      </p:sp>
-      <p:sp>
-        <p:nvSpPr>
-          <p:cNvPr id="26" name="모서리가 둥근 직사각형 25"/>
-          <p:cNvSpPr/>
-          <p:nvPr/>
-        </p:nvSpPr>
-        <p:spPr>
-          <a:xfrm rot="5400000">
-            <a:off x="5801679" y="3478116"/>
-            <a:ext cx="45719" cy="198120"/>
-          </a:xfrm>
-          <a:prstGeom prst="roundRect">
-            <a:avLst/>
-          </a:prstGeom>
-          <a:noFill/>
-          <a:ln w="57150" cap="flat" cmpd="sng" algn="ctr">
-            <a:solidFill>
-              <a:schemeClr val="tx1"/>
-            </a:solidFill>
-            <a:prstDash val="solid"/>
-            <a:round/>
-            <a:headEnd type="none" w="med" len="med"/>
-            <a:tailEnd type="none" w="med" len="med"/>
-          </a:ln>
-        </p:spPr>
-        <p:style>
-          <a:lnRef idx="0">
-            <a:scrgbClr r="0" g="0" b="0"/>
-          </a:lnRef>
-          <a:fillRef idx="0">
-            <a:scrgbClr r="0" g="0" b="0"/>
-          </a:fillRef>
-          <a:effectRef idx="0">
-            <a:scrgbClr r="0" g="0" b="0"/>
-          </a:effectRef>
-          <a:fontRef idx="minor">
-            <a:schemeClr val="accent2"/>
-          </a:fontRef>
-        </p:style>
-        <p:txBody>
-          <a:bodyPr rtlCol="0" anchor="ctr"/>
-          <a:lstStyle/>
-          <a:p>
-            <a:pPr algn="ctr"/>
-            <a:endParaRPr lang="ko-KR" altLang="en-US"/>
-          </a:p>
-        </p:txBody>
-      </p:sp>
-      <p:sp>
-        <p:nvSpPr>
-          <p:cNvPr id="27" name="모서리가 둥근 직사각형 26"/>
-          <p:cNvSpPr/>
-          <p:nvPr/>
-        </p:nvSpPr>
-        <p:spPr>
-          <a:xfrm rot="5400000">
-            <a:off x="6053140" y="3478115"/>
-            <a:ext cx="45719" cy="198120"/>
-          </a:xfrm>
-          <a:prstGeom prst="roundRect">
-            <a:avLst/>
-          </a:prstGeom>
-          <a:noFill/>
-          <a:ln w="57150" cap="flat" cmpd="sng" algn="ctr">
-            <a:solidFill>
-              <a:schemeClr val="tx1"/>
-            </a:solidFill>
-            <a:prstDash val="solid"/>
-            <a:round/>
-            <a:headEnd type="none" w="med" len="med"/>
-            <a:tailEnd type="none" w="med" len="med"/>
-          </a:ln>
-        </p:spPr>
-        <p:style>
-          <a:lnRef idx="0">
-            <a:scrgbClr r="0" g="0" b="0"/>
-          </a:lnRef>
-          <a:fillRef idx="0">
-            <a:scrgbClr r="0" g="0" b="0"/>
-          </a:fillRef>
-          <a:effectRef idx="0">
-            <a:scrgbClr r="0" g="0" b="0"/>
-          </a:effectRef>
-          <a:fontRef idx="minor">
-            <a:schemeClr val="accent2"/>
-          </a:fontRef>
-        </p:style>
-        <p:txBody>
-          <a:bodyPr rtlCol="0" anchor="ctr"/>
-          <a:lstStyle/>
-          <a:p>
-            <a:pPr algn="ctr"/>
-            <a:endParaRPr lang="ko-KR" altLang="en-US"/>
-          </a:p>
-        </p:txBody>
-      </p:sp>
-      <p:sp>
-        <p:nvSpPr>
-          <p:cNvPr id="29" name="모서리가 둥근 직사각형 28"/>
-          <p:cNvSpPr/>
-          <p:nvPr/>
-        </p:nvSpPr>
-        <p:spPr>
-          <a:xfrm rot="5400000">
-            <a:off x="6304600" y="3475169"/>
-            <a:ext cx="45719" cy="198120"/>
-          </a:xfrm>
-          <a:prstGeom prst="roundRect">
-            <a:avLst/>
-          </a:prstGeom>
-          <a:noFill/>
-          <a:ln w="57150" cap="flat" cmpd="sng" algn="ctr">
-            <a:solidFill>
-              <a:schemeClr val="tx1"/>
-            </a:solidFill>
-            <a:prstDash val="solid"/>
-            <a:round/>
-            <a:headEnd type="none" w="med" len="med"/>
-            <a:tailEnd type="none" w="med" len="med"/>
-          </a:ln>
-        </p:spPr>
-        <p:style>
-          <a:lnRef idx="0">
-            <a:scrgbClr r="0" g="0" b="0"/>
-          </a:lnRef>
-          <a:fillRef idx="0">
-            <a:scrgbClr r="0" g="0" b="0"/>
-          </a:fillRef>
-          <a:effectRef idx="0">
-            <a:scrgbClr r="0" g="0" b="0"/>
-          </a:effectRef>
-          <a:fontRef idx="minor">
-            <a:schemeClr val="accent2"/>
-          </a:fontRef>
-        </p:style>
-        <p:txBody>
-          <a:bodyPr rtlCol="0" anchor="ctr"/>
-          <a:lstStyle/>
-          <a:p>
-            <a:pPr algn="ctr"/>
-            <a:endParaRPr lang="ko-KR" altLang="en-US"/>
-          </a:p>
-        </p:txBody>
-      </p:sp>
-      <p:sp>
-        <p:nvSpPr>
-          <p:cNvPr id="2" name="TextBox 1"/>
-          <p:cNvSpPr txBox="1"/>
-          <p:nvPr/>
-        </p:nvSpPr>
-        <p:spPr>
-          <a:xfrm>
-            <a:off x="4398197" y="3152100"/>
-            <a:ext cx="2210862" cy="507831"/>
-          </a:xfrm>
-          <a:prstGeom prst="rect">
-            <a:avLst/>
-          </a:prstGeom>
-          <a:noFill/>
-        </p:spPr>
-        <p:txBody>
-          <a:bodyPr wrap="none" rtlCol="0">
-            <a:spAutoFit/>
-          </a:bodyPr>
-          <a:lstStyle/>
-          <a:p>
-            <a:r>
-              <a:rPr lang="en-US" altLang="ko-KR" sz="2700" dirty="0" smtClean="0">
-                <a:solidFill>
-                  <a:schemeClr val="bg1"/>
-                </a:solidFill>
-              </a:rPr>
-              <a:t>0 1 2 3 4 5 6 7</a:t>
-            </a:r>
-            <a:endParaRPr lang="ko-KR" altLang="en-US" sz="2700" dirty="0">
-              <a:solidFill>
-                <a:schemeClr val="bg1"/>
-              </a:solidFill>
-            </a:endParaRPr>
-          </a:p>
-        </p:txBody>
-      </p:sp>
-      <p:cxnSp>
-        <p:nvCxnSpPr>
-          <p:cNvPr id="33" name="꺾인 연결선 32"/>
-          <p:cNvCxnSpPr>
-            <a:endCxn id="37" idx="1"/>
-          </p:cNvCxnSpPr>
-          <p:nvPr/>
-        </p:nvCxnSpPr>
-        <p:spPr>
-          <a:xfrm>
-            <a:off x="4824276" y="3631611"/>
-            <a:ext cx="4177790" cy="2721564"/>
-          </a:xfrm>
-          <a:prstGeom prst="bentConnector3">
-            <a:avLst>
-              <a:gd name="adj1" fmla="val 24"/>
-            </a:avLst>
-          </a:prstGeom>
-          <a:ln w="57150">
-            <a:solidFill>
-              <a:srgbClr val="7030A0"/>
-            </a:solidFill>
-          </a:ln>
-        </p:spPr>
-        <p:style>
-          <a:lnRef idx="1">
-            <a:schemeClr val="accent1"/>
-          </a:lnRef>
-          <a:fillRef idx="0">
-            <a:schemeClr val="accent1"/>
-          </a:fillRef>
-          <a:effectRef idx="0">
-            <a:schemeClr val="accent1"/>
-          </a:effectRef>
-          <a:fontRef idx="minor">
-            <a:schemeClr val="tx1"/>
-          </a:fontRef>
-        </p:style>
-      </p:cxnSp>
-      <p:cxnSp>
-        <p:nvCxnSpPr>
-          <p:cNvPr id="41" name="꺾인 연결선 40"/>
-          <p:cNvCxnSpPr>
-            <a:endCxn id="73" idx="1"/>
-          </p:cNvCxnSpPr>
-          <p:nvPr/>
-        </p:nvCxnSpPr>
-        <p:spPr>
-          <a:xfrm>
-            <a:off x="4578394" y="3627500"/>
-            <a:ext cx="4451595" cy="2871283"/>
-          </a:xfrm>
-          <a:prstGeom prst="bentConnector3">
-            <a:avLst>
-              <a:gd name="adj1" fmla="val -154"/>
-            </a:avLst>
-          </a:prstGeom>
-          <a:ln w="57150">
-            <a:solidFill>
-              <a:schemeClr val="accent5"/>
-            </a:solidFill>
-          </a:ln>
-        </p:spPr>
-        <p:style>
-          <a:lnRef idx="1">
-            <a:schemeClr val="accent1"/>
-          </a:lnRef>
-          <a:fillRef idx="0">
-            <a:schemeClr val="accent1"/>
-          </a:fillRef>
-          <a:effectRef idx="0">
-            <a:schemeClr val="accent1"/>
-          </a:effectRef>
-          <a:fontRef idx="minor">
-            <a:schemeClr val="tx1"/>
-          </a:fontRef>
-        </p:style>
-      </p:cxnSp>
-      <p:cxnSp>
-        <p:nvCxnSpPr>
-          <p:cNvPr id="46" name="꺾인 연결선 45"/>
-          <p:cNvCxnSpPr>
-            <a:endCxn id="23" idx="0"/>
-          </p:cNvCxnSpPr>
-          <p:nvPr/>
-        </p:nvCxnSpPr>
-        <p:spPr>
-          <a:xfrm rot="5400000">
-            <a:off x="3514268" y="3741501"/>
-            <a:ext cx="1935402" cy="1675196"/>
-          </a:xfrm>
-          <a:prstGeom prst="bentConnector3">
-            <a:avLst>
-              <a:gd name="adj1" fmla="val 50000"/>
-            </a:avLst>
-          </a:prstGeom>
-          <a:ln w="57150">
-            <a:solidFill>
-              <a:schemeClr val="accent2"/>
-            </a:solidFill>
-          </a:ln>
-        </p:spPr>
-        <p:style>
-          <a:lnRef idx="1">
-            <a:schemeClr val="accent1"/>
-          </a:lnRef>
-          <a:fillRef idx="0">
-            <a:schemeClr val="accent1"/>
-          </a:fillRef>
-          <a:effectRef idx="0">
-            <a:schemeClr val="accent1"/>
-          </a:effectRef>
-          <a:fontRef idx="minor">
-            <a:schemeClr val="tx1"/>
-          </a:fontRef>
-        </p:style>
-      </p:cxnSp>
-      <p:sp>
-        <p:nvSpPr>
-          <p:cNvPr id="23" name="타원 22"/>
-          <p:cNvSpPr/>
-          <p:nvPr/>
-        </p:nvSpPr>
-        <p:spPr>
-          <a:xfrm>
-            <a:off x="3310335" y="5546800"/>
-            <a:ext cx="668071" cy="668071"/>
-          </a:xfrm>
-          <a:prstGeom prst="ellipse">
-            <a:avLst/>
-          </a:prstGeom>
-          <a:solidFill>
-            <a:schemeClr val="accent2"/>
-          </a:solidFill>
-          <a:ln>
-            <a:solidFill>
-              <a:schemeClr val="accent2"/>
             </a:solidFill>
           </a:ln>
         </p:spPr>
@@ -4357,24 +4488,593 @@
           <a:lstStyle/>
           <a:p>
             <a:pPr algn="ctr"/>
-            <a:r>
-              <a:rPr lang="en-US" altLang="ko-KR" dirty="0" smtClean="0"/>
-              <a:t>LD4</a:t>
-            </a:r>
-            <a:endParaRPr lang="ko-KR" altLang="en-US" dirty="0"/>
+            <a:endParaRPr lang="ko-KR" altLang="en-US"/>
+          </a:p>
+        </p:txBody>
+      </p:sp>
+      <p:sp>
+        <p:nvSpPr>
+          <p:cNvPr id="42" name="직사각형 41"/>
+          <p:cNvSpPr/>
+          <p:nvPr/>
+        </p:nvSpPr>
+        <p:spPr>
+          <a:xfrm>
+            <a:off x="2133600" y="4165600"/>
+            <a:ext cx="2120900" cy="1549400"/>
+          </a:xfrm>
+          <a:prstGeom prst="rect">
+            <a:avLst/>
+          </a:prstGeom>
+          <a:noFill/>
+          <a:ln w="76200">
+            <a:solidFill>
+              <a:srgbClr val="FF0000"/>
+            </a:solidFill>
+          </a:ln>
+        </p:spPr>
+        <p:style>
+          <a:lnRef idx="2">
+            <a:schemeClr val="accent1">
+              <a:shade val="50000"/>
+            </a:schemeClr>
+          </a:lnRef>
+          <a:fillRef idx="1">
+            <a:schemeClr val="accent1"/>
+          </a:fillRef>
+          <a:effectRef idx="0">
+            <a:schemeClr val="accent1"/>
+          </a:effectRef>
+          <a:fontRef idx="minor">
+            <a:schemeClr val="lt1"/>
+          </a:fontRef>
+        </p:style>
+        <p:txBody>
+          <a:bodyPr rtlCol="0" anchor="ctr"/>
+          <a:lstStyle/>
+          <a:p>
+            <a:pPr algn="ctr"/>
+            <a:endParaRPr lang="ko-KR" altLang="en-US"/>
           </a:p>
         </p:txBody>
       </p:sp>
     </p:spTree>
     <p:extLst>
       <p:ext uri="{BB962C8B-B14F-4D97-AF65-F5344CB8AC3E}">
-        <p14:creationId xmlns:p14="http://schemas.microsoft.com/office/powerpoint/2010/main" val="778291193"/>
+        <p14:creationId xmlns:p14="http://schemas.microsoft.com/office/powerpoint/2010/main" val="2357749156"/>
       </p:ext>
     </p:extLst>
   </p:cSld>
   <p:clrMapOvr>
     <a:masterClrMapping/>
   </p:clrMapOvr>
+  <p:timing>
+    <p:tnLst>
+      <p:par>
+        <p:cTn id="1" dur="indefinite" restart="never" nodeType="tmRoot"/>
+      </p:par>
+    </p:tnLst>
+  </p:timing>
+</p:sld>
+</file>
+
+<file path=ppt/slides/slide3.xml><?xml version="1.0" encoding="utf-8"?>
+<p:sld xmlns:a="http://schemas.openxmlformats.org/drawingml/2006/main" xmlns:r="http://schemas.openxmlformats.org/officeDocument/2006/relationships" xmlns:p="http://schemas.openxmlformats.org/presentationml/2006/main">
+  <p:cSld>
+    <p:spTree>
+      <p:nvGrpSpPr>
+        <p:cNvPr id="1" name=""/>
+        <p:cNvGrpSpPr/>
+        <p:nvPr/>
+      </p:nvGrpSpPr>
+      <p:grpSpPr>
+        <a:xfrm>
+          <a:off x="0" y="0"/>
+          <a:ext cx="0" cy="0"/>
+          <a:chOff x="0" y="0"/>
+          <a:chExt cx="0" cy="0"/>
+        </a:xfrm>
+      </p:grpSpPr>
+      <p:pic>
+        <p:nvPicPr>
+          <p:cNvPr id="3" name="그림 2"/>
+          <p:cNvPicPr>
+            <a:picLocks noChangeAspect="1"/>
+          </p:cNvPicPr>
+          <p:nvPr/>
+        </p:nvPicPr>
+        <p:blipFill>
+          <a:blip r:embed="rId2"/>
+          <a:stretch>
+            <a:fillRect/>
+          </a:stretch>
+        </p:blipFill>
+        <p:spPr>
+          <a:xfrm>
+            <a:off x="560254" y="484295"/>
+            <a:ext cx="13279703" cy="9831172"/>
+          </a:xfrm>
+          <a:prstGeom prst="rect">
+            <a:avLst/>
+          </a:prstGeom>
+        </p:spPr>
+      </p:pic>
+      <p:sp>
+        <p:nvSpPr>
+          <p:cNvPr id="4" name="직사각형 3"/>
+          <p:cNvSpPr/>
+          <p:nvPr/>
+        </p:nvSpPr>
+        <p:spPr>
+          <a:xfrm>
+            <a:off x="4470400" y="6527800"/>
+            <a:ext cx="6616700" cy="393700"/>
+          </a:xfrm>
+          <a:prstGeom prst="rect">
+            <a:avLst/>
+          </a:prstGeom>
+          <a:noFill/>
+          <a:ln w="76200">
+            <a:solidFill>
+              <a:srgbClr val="FF0000"/>
+            </a:solidFill>
+          </a:ln>
+        </p:spPr>
+        <p:style>
+          <a:lnRef idx="2">
+            <a:schemeClr val="accent1">
+              <a:shade val="50000"/>
+            </a:schemeClr>
+          </a:lnRef>
+          <a:fillRef idx="1">
+            <a:schemeClr val="accent1"/>
+          </a:fillRef>
+          <a:effectRef idx="0">
+            <a:schemeClr val="accent1"/>
+          </a:effectRef>
+          <a:fontRef idx="minor">
+            <a:schemeClr val="lt1"/>
+          </a:fontRef>
+        </p:style>
+        <p:txBody>
+          <a:bodyPr rtlCol="0" anchor="ctr"/>
+          <a:lstStyle/>
+          <a:p>
+            <a:pPr algn="ctr"/>
+            <a:endParaRPr lang="ko-KR" altLang="en-US"/>
+          </a:p>
+        </p:txBody>
+      </p:sp>
+    </p:spTree>
+    <p:extLst>
+      <p:ext uri="{BB962C8B-B14F-4D97-AF65-F5344CB8AC3E}">
+        <p14:creationId xmlns:p14="http://schemas.microsoft.com/office/powerpoint/2010/main" val="567398801"/>
+      </p:ext>
+    </p:extLst>
+  </p:cSld>
+  <p:clrMapOvr>
+    <a:masterClrMapping/>
+  </p:clrMapOvr>
+  <p:timing>
+    <p:tnLst>
+      <p:par>
+        <p:cTn id="1" dur="indefinite" restart="never" nodeType="tmRoot"/>
+      </p:par>
+    </p:tnLst>
+  </p:timing>
+</p:sld>
+</file>
+
+<file path=ppt/slides/slide4.xml><?xml version="1.0" encoding="utf-8"?>
+<p:sld xmlns:a="http://schemas.openxmlformats.org/drawingml/2006/main" xmlns:r="http://schemas.openxmlformats.org/officeDocument/2006/relationships" xmlns:p="http://schemas.openxmlformats.org/presentationml/2006/main">
+  <p:cSld>
+    <p:spTree>
+      <p:nvGrpSpPr>
+        <p:cNvPr id="1" name=""/>
+        <p:cNvGrpSpPr/>
+        <p:nvPr/>
+      </p:nvGrpSpPr>
+      <p:grpSpPr>
+        <a:xfrm>
+          <a:off x="0" y="0"/>
+          <a:ext cx="0" cy="0"/>
+          <a:chOff x="0" y="0"/>
+          <a:chExt cx="0" cy="0"/>
+        </a:xfrm>
+      </p:grpSpPr>
+      <p:pic>
+        <p:nvPicPr>
+          <p:cNvPr id="3" name="그림 2"/>
+          <p:cNvPicPr>
+            <a:picLocks noChangeAspect="1"/>
+          </p:cNvPicPr>
+          <p:nvPr/>
+        </p:nvPicPr>
+        <p:blipFill>
+          <a:blip r:embed="rId2"/>
+          <a:stretch>
+            <a:fillRect/>
+          </a:stretch>
+        </p:blipFill>
+        <p:spPr>
+          <a:xfrm>
+            <a:off x="560254" y="484295"/>
+            <a:ext cx="13279703" cy="9831172"/>
+          </a:xfrm>
+          <a:prstGeom prst="rect">
+            <a:avLst/>
+          </a:prstGeom>
+        </p:spPr>
+      </p:pic>
+      <p:sp>
+        <p:nvSpPr>
+          <p:cNvPr id="4" name="직사각형 3"/>
+          <p:cNvSpPr/>
+          <p:nvPr/>
+        </p:nvSpPr>
+        <p:spPr>
+          <a:xfrm>
+            <a:off x="4445000" y="4660900"/>
+            <a:ext cx="6616700" cy="749300"/>
+          </a:xfrm>
+          <a:prstGeom prst="rect">
+            <a:avLst/>
+          </a:prstGeom>
+          <a:noFill/>
+          <a:ln w="76200">
+            <a:solidFill>
+              <a:srgbClr val="FF0000"/>
+            </a:solidFill>
+          </a:ln>
+        </p:spPr>
+        <p:style>
+          <a:lnRef idx="2">
+            <a:schemeClr val="accent1">
+              <a:shade val="50000"/>
+            </a:schemeClr>
+          </a:lnRef>
+          <a:fillRef idx="1">
+            <a:schemeClr val="accent1"/>
+          </a:fillRef>
+          <a:effectRef idx="0">
+            <a:schemeClr val="accent1"/>
+          </a:effectRef>
+          <a:fontRef idx="minor">
+            <a:schemeClr val="lt1"/>
+          </a:fontRef>
+        </p:style>
+        <p:txBody>
+          <a:bodyPr rtlCol="0" anchor="ctr"/>
+          <a:lstStyle/>
+          <a:p>
+            <a:pPr algn="ctr"/>
+            <a:endParaRPr lang="ko-KR" altLang="en-US"/>
+          </a:p>
+        </p:txBody>
+      </p:sp>
+      <p:sp>
+        <p:nvSpPr>
+          <p:cNvPr id="5" name="직사각형 4"/>
+          <p:cNvSpPr/>
+          <p:nvPr/>
+        </p:nvSpPr>
+        <p:spPr>
+          <a:xfrm>
+            <a:off x="4445000" y="8026400"/>
+            <a:ext cx="6616700" cy="800100"/>
+          </a:xfrm>
+          <a:prstGeom prst="rect">
+            <a:avLst/>
+          </a:prstGeom>
+          <a:noFill/>
+          <a:ln w="76200">
+            <a:solidFill>
+              <a:srgbClr val="FF0000"/>
+            </a:solidFill>
+          </a:ln>
+        </p:spPr>
+        <p:style>
+          <a:lnRef idx="2">
+            <a:schemeClr val="accent1">
+              <a:shade val="50000"/>
+            </a:schemeClr>
+          </a:lnRef>
+          <a:fillRef idx="1">
+            <a:schemeClr val="accent1"/>
+          </a:fillRef>
+          <a:effectRef idx="0">
+            <a:schemeClr val="accent1"/>
+          </a:effectRef>
+          <a:fontRef idx="minor">
+            <a:schemeClr val="lt1"/>
+          </a:fontRef>
+        </p:style>
+        <p:txBody>
+          <a:bodyPr rtlCol="0" anchor="ctr"/>
+          <a:lstStyle/>
+          <a:p>
+            <a:pPr algn="ctr"/>
+            <a:endParaRPr lang="ko-KR" altLang="en-US"/>
+          </a:p>
+        </p:txBody>
+      </p:sp>
+    </p:spTree>
+    <p:extLst>
+      <p:ext uri="{BB962C8B-B14F-4D97-AF65-F5344CB8AC3E}">
+        <p14:creationId xmlns:p14="http://schemas.microsoft.com/office/powerpoint/2010/main" val="2457485144"/>
+      </p:ext>
+    </p:extLst>
+  </p:cSld>
+  <p:clrMapOvr>
+    <a:masterClrMapping/>
+  </p:clrMapOvr>
+  <p:timing>
+    <p:tnLst>
+      <p:par>
+        <p:cTn id="1" dur="indefinite" restart="never" nodeType="tmRoot"/>
+      </p:par>
+    </p:tnLst>
+  </p:timing>
+</p:sld>
+</file>
+
+<file path=ppt/slides/slide5.xml><?xml version="1.0" encoding="utf-8"?>
+<p:sld xmlns:a="http://schemas.openxmlformats.org/drawingml/2006/main" xmlns:r="http://schemas.openxmlformats.org/officeDocument/2006/relationships" xmlns:p="http://schemas.openxmlformats.org/presentationml/2006/main">
+  <p:cSld>
+    <p:spTree>
+      <p:nvGrpSpPr>
+        <p:cNvPr id="1" name=""/>
+        <p:cNvGrpSpPr/>
+        <p:nvPr/>
+      </p:nvGrpSpPr>
+      <p:grpSpPr>
+        <a:xfrm>
+          <a:off x="0" y="0"/>
+          <a:ext cx="0" cy="0"/>
+          <a:chOff x="0" y="0"/>
+          <a:chExt cx="0" cy="0"/>
+        </a:xfrm>
+      </p:grpSpPr>
+      <p:pic>
+        <p:nvPicPr>
+          <p:cNvPr id="3" name="그림 2"/>
+          <p:cNvPicPr>
+            <a:picLocks noChangeAspect="1"/>
+          </p:cNvPicPr>
+          <p:nvPr/>
+        </p:nvPicPr>
+        <p:blipFill>
+          <a:blip r:embed="rId2"/>
+          <a:stretch>
+            <a:fillRect/>
+          </a:stretch>
+        </p:blipFill>
+        <p:spPr>
+          <a:xfrm>
+            <a:off x="560254" y="484295"/>
+            <a:ext cx="13279703" cy="9831172"/>
+          </a:xfrm>
+          <a:prstGeom prst="rect">
+            <a:avLst/>
+          </a:prstGeom>
+        </p:spPr>
+      </p:pic>
+      <p:sp>
+        <p:nvSpPr>
+          <p:cNvPr id="5" name="직사각형 4"/>
+          <p:cNvSpPr/>
+          <p:nvPr/>
+        </p:nvSpPr>
+        <p:spPr>
+          <a:xfrm>
+            <a:off x="4419600" y="4599781"/>
+            <a:ext cx="6413500" cy="467519"/>
+          </a:xfrm>
+          <a:prstGeom prst="rect">
+            <a:avLst/>
+          </a:prstGeom>
+          <a:noFill/>
+          <a:ln w="76200">
+            <a:solidFill>
+              <a:srgbClr val="FF0000"/>
+            </a:solidFill>
+          </a:ln>
+        </p:spPr>
+        <p:style>
+          <a:lnRef idx="2">
+            <a:schemeClr val="accent1">
+              <a:shade val="50000"/>
+            </a:schemeClr>
+          </a:lnRef>
+          <a:fillRef idx="1">
+            <a:schemeClr val="accent1"/>
+          </a:fillRef>
+          <a:effectRef idx="0">
+            <a:schemeClr val="accent1"/>
+          </a:effectRef>
+          <a:fontRef idx="minor">
+            <a:schemeClr val="lt1"/>
+          </a:fontRef>
+        </p:style>
+        <p:txBody>
+          <a:bodyPr rtlCol="0" anchor="ctr"/>
+          <a:lstStyle/>
+          <a:p>
+            <a:pPr algn="ctr"/>
+            <a:endParaRPr lang="ko-KR" altLang="en-US"/>
+          </a:p>
+        </p:txBody>
+      </p:sp>
+      <p:sp>
+        <p:nvSpPr>
+          <p:cNvPr id="6" name="직사각형 5"/>
+          <p:cNvSpPr/>
+          <p:nvPr/>
+        </p:nvSpPr>
+        <p:spPr>
+          <a:xfrm>
+            <a:off x="4521200" y="6223000"/>
+            <a:ext cx="787400" cy="406400"/>
+          </a:xfrm>
+          <a:prstGeom prst="rect">
+            <a:avLst/>
+          </a:prstGeom>
+          <a:noFill/>
+          <a:ln w="76200">
+            <a:solidFill>
+              <a:srgbClr val="FF0000"/>
+            </a:solidFill>
+          </a:ln>
+        </p:spPr>
+        <p:style>
+          <a:lnRef idx="2">
+            <a:schemeClr val="accent1">
+              <a:shade val="50000"/>
+            </a:schemeClr>
+          </a:lnRef>
+          <a:fillRef idx="1">
+            <a:schemeClr val="accent1"/>
+          </a:fillRef>
+          <a:effectRef idx="0">
+            <a:schemeClr val="accent1"/>
+          </a:effectRef>
+          <a:fontRef idx="minor">
+            <a:schemeClr val="lt1"/>
+          </a:fontRef>
+        </p:style>
+        <p:txBody>
+          <a:bodyPr rtlCol="0" anchor="ctr"/>
+          <a:lstStyle/>
+          <a:p>
+            <a:pPr algn="ctr"/>
+            <a:endParaRPr lang="ko-KR" altLang="en-US"/>
+          </a:p>
+        </p:txBody>
+      </p:sp>
+    </p:spTree>
+    <p:extLst>
+      <p:ext uri="{BB962C8B-B14F-4D97-AF65-F5344CB8AC3E}">
+        <p14:creationId xmlns:p14="http://schemas.microsoft.com/office/powerpoint/2010/main" val="1290763422"/>
+      </p:ext>
+    </p:extLst>
+  </p:cSld>
+  <p:clrMapOvr>
+    <a:masterClrMapping/>
+  </p:clrMapOvr>
+  <p:timing>
+    <p:tnLst>
+      <p:par>
+        <p:cTn id="1" dur="indefinite" restart="never" nodeType="tmRoot"/>
+      </p:par>
+    </p:tnLst>
+  </p:timing>
+</p:sld>
+</file>
+
+<file path=ppt/slides/slide6.xml><?xml version="1.0" encoding="utf-8"?>
+<p:sld xmlns:a="http://schemas.openxmlformats.org/drawingml/2006/main" xmlns:r="http://schemas.openxmlformats.org/officeDocument/2006/relationships" xmlns:p="http://schemas.openxmlformats.org/presentationml/2006/main">
+  <p:cSld>
+    <p:spTree>
+      <p:nvGrpSpPr>
+        <p:cNvPr id="1" name=""/>
+        <p:cNvGrpSpPr/>
+        <p:nvPr/>
+      </p:nvGrpSpPr>
+      <p:grpSpPr>
+        <a:xfrm>
+          <a:off x="0" y="0"/>
+          <a:ext cx="0" cy="0"/>
+          <a:chOff x="0" y="0"/>
+          <a:chExt cx="0" cy="0"/>
+        </a:xfrm>
+      </p:grpSpPr>
+      <p:pic>
+        <p:nvPicPr>
+          <p:cNvPr id="3" name="그림 2"/>
+          <p:cNvPicPr>
+            <a:picLocks noChangeAspect="1"/>
+          </p:cNvPicPr>
+          <p:nvPr/>
+        </p:nvPicPr>
+        <p:blipFill>
+          <a:blip r:embed="rId2"/>
+          <a:stretch>
+            <a:fillRect/>
+          </a:stretch>
+        </p:blipFill>
+        <p:spPr>
+          <a:xfrm>
+            <a:off x="560254" y="484295"/>
+            <a:ext cx="13279703" cy="9831172"/>
+          </a:xfrm>
+          <a:prstGeom prst="rect">
+            <a:avLst/>
+          </a:prstGeom>
+        </p:spPr>
+      </p:pic>
+      <p:sp>
+        <p:nvSpPr>
+          <p:cNvPr id="4" name="직사각형 3"/>
+          <p:cNvSpPr/>
+          <p:nvPr/>
+        </p:nvSpPr>
+        <p:spPr>
+          <a:xfrm>
+            <a:off x="4419600" y="4241801"/>
+            <a:ext cx="6413500" cy="825500"/>
+          </a:xfrm>
+          <a:prstGeom prst="rect">
+            <a:avLst/>
+          </a:prstGeom>
+          <a:noFill/>
+          <a:ln w="76200">
+            <a:solidFill>
+              <a:srgbClr val="FF0000"/>
+            </a:solidFill>
+          </a:ln>
+        </p:spPr>
+        <p:style>
+          <a:lnRef idx="2">
+            <a:schemeClr val="accent1">
+              <a:shade val="50000"/>
+            </a:schemeClr>
+          </a:lnRef>
+          <a:fillRef idx="1">
+            <a:schemeClr val="accent1"/>
+          </a:fillRef>
+          <a:effectRef idx="0">
+            <a:schemeClr val="accent1"/>
+          </a:effectRef>
+          <a:fontRef idx="minor">
+            <a:schemeClr val="lt1"/>
+          </a:fontRef>
+        </p:style>
+        <p:txBody>
+          <a:bodyPr rtlCol="0" anchor="ctr"/>
+          <a:lstStyle/>
+          <a:p>
+            <a:pPr algn="ctr"/>
+            <a:endParaRPr lang="ko-KR" altLang="en-US"/>
+          </a:p>
+        </p:txBody>
+      </p:sp>
+    </p:spTree>
+    <p:extLst>
+      <p:ext uri="{BB962C8B-B14F-4D97-AF65-F5344CB8AC3E}">
+        <p14:creationId xmlns:p14="http://schemas.microsoft.com/office/powerpoint/2010/main" val="812738616"/>
+      </p:ext>
+    </p:extLst>
+  </p:cSld>
+  <p:clrMapOvr>
+    <a:masterClrMapping/>
+  </p:clrMapOvr>
+  <p:timing>
+    <p:tnLst>
+      <p:par>
+        <p:cTn id="1" dur="indefinite" restart="never" nodeType="tmRoot"/>
+      </p:par>
+    </p:tnLst>
+  </p:timing>
 </p:sld>
 </file>
 
